--- a/Présentation site Kasa.pptx
+++ b/Présentation site Kasa.pptx
@@ -9,11 +9,21 @@
     <p:sldId id="326" r:id="rId3"/>
     <p:sldId id="313" r:id="rId4"/>
     <p:sldId id="315" r:id="rId5"/>
-    <p:sldId id="322" r:id="rId6"/>
-    <p:sldId id="307" r:id="rId7"/>
-    <p:sldId id="323" r:id="rId8"/>
-    <p:sldId id="316" r:id="rId9"/>
-    <p:sldId id="317" r:id="rId10"/>
+    <p:sldId id="327" r:id="rId6"/>
+    <p:sldId id="331" r:id="rId7"/>
+    <p:sldId id="334" r:id="rId8"/>
+    <p:sldId id="332" r:id="rId9"/>
+    <p:sldId id="333" r:id="rId10"/>
+    <p:sldId id="335" r:id="rId11"/>
+    <p:sldId id="329" r:id="rId12"/>
+    <p:sldId id="336" r:id="rId13"/>
+    <p:sldId id="330" r:id="rId14"/>
+    <p:sldId id="328" r:id="rId15"/>
+    <p:sldId id="337" r:id="rId16"/>
+    <p:sldId id="338" r:id="rId17"/>
+    <p:sldId id="339" r:id="rId18"/>
+    <p:sldId id="316" r:id="rId19"/>
+    <p:sldId id="317" r:id="rId20"/>
   </p:sldIdLst>
   <p:sldSz cx="12192000" cy="6858000"/>
   <p:notesSz cx="6858000" cy="9144000"/>
@@ -251,7 +261,7 @@
           <a:p>
             <a:fld id="{6A8EF467-8487-4230-8827-197FCF02D652}" type="datetimeFigureOut">
               <a:rPr lang="en-US" smtClean="0"/>
-              <a:t>6/17/2023</a:t>
+              <a:t>6/21/2023</a:t>
             </a:fld>
             <a:endParaRPr lang="en-US"/>
           </a:p>
@@ -421,7 +431,7 @@
           <a:p>
             <a:fld id="{6A8EF467-8487-4230-8827-197FCF02D652}" type="datetimeFigureOut">
               <a:rPr lang="en-US" smtClean="0"/>
-              <a:t>6/17/2023</a:t>
+              <a:t>6/21/2023</a:t>
             </a:fld>
             <a:endParaRPr lang="en-US"/>
           </a:p>
@@ -601,7 +611,7 @@
           <a:p>
             <a:fld id="{6A8EF467-8487-4230-8827-197FCF02D652}" type="datetimeFigureOut">
               <a:rPr lang="en-US" smtClean="0"/>
-              <a:t>6/17/2023</a:t>
+              <a:t>6/21/2023</a:t>
             </a:fld>
             <a:endParaRPr lang="en-US"/>
           </a:p>
@@ -771,7 +781,7 @@
           <a:p>
             <a:fld id="{6A8EF467-8487-4230-8827-197FCF02D652}" type="datetimeFigureOut">
               <a:rPr lang="en-US" smtClean="0"/>
-              <a:t>6/17/2023</a:t>
+              <a:t>6/21/2023</a:t>
             </a:fld>
             <a:endParaRPr lang="en-US"/>
           </a:p>
@@ -1017,7 +1027,7 @@
           <a:p>
             <a:fld id="{6A8EF467-8487-4230-8827-197FCF02D652}" type="datetimeFigureOut">
               <a:rPr lang="en-US" smtClean="0"/>
-              <a:t>6/17/2023</a:t>
+              <a:t>6/21/2023</a:t>
             </a:fld>
             <a:endParaRPr lang="en-US"/>
           </a:p>
@@ -1249,7 +1259,7 @@
           <a:p>
             <a:fld id="{6A8EF467-8487-4230-8827-197FCF02D652}" type="datetimeFigureOut">
               <a:rPr lang="en-US" smtClean="0"/>
-              <a:t>6/17/2023</a:t>
+              <a:t>6/21/2023</a:t>
             </a:fld>
             <a:endParaRPr lang="en-US"/>
           </a:p>
@@ -1616,7 +1626,7 @@
           <a:p>
             <a:fld id="{6A8EF467-8487-4230-8827-197FCF02D652}" type="datetimeFigureOut">
               <a:rPr lang="en-US" smtClean="0"/>
-              <a:t>6/17/2023</a:t>
+              <a:t>6/21/2023</a:t>
             </a:fld>
             <a:endParaRPr lang="en-US"/>
           </a:p>
@@ -1734,7 +1744,7 @@
           <a:p>
             <a:fld id="{6A8EF467-8487-4230-8827-197FCF02D652}" type="datetimeFigureOut">
               <a:rPr lang="en-US" smtClean="0"/>
-              <a:t>6/17/2023</a:t>
+              <a:t>6/21/2023</a:t>
             </a:fld>
             <a:endParaRPr lang="en-US"/>
           </a:p>
@@ -1829,7 +1839,7 @@
           <a:p>
             <a:fld id="{6A8EF467-8487-4230-8827-197FCF02D652}" type="datetimeFigureOut">
               <a:rPr lang="en-US" smtClean="0"/>
-              <a:t>6/17/2023</a:t>
+              <a:t>6/21/2023</a:t>
             </a:fld>
             <a:endParaRPr lang="en-US"/>
           </a:p>
@@ -2106,7 +2116,7 @@
           <a:p>
             <a:fld id="{6A8EF467-8487-4230-8827-197FCF02D652}" type="datetimeFigureOut">
               <a:rPr lang="en-US" smtClean="0"/>
-              <a:t>6/17/2023</a:t>
+              <a:t>6/21/2023</a:t>
             </a:fld>
             <a:endParaRPr lang="en-US"/>
           </a:p>
@@ -2363,7 +2373,7 @@
           <a:p>
             <a:fld id="{6A8EF467-8487-4230-8827-197FCF02D652}" type="datetimeFigureOut">
               <a:rPr lang="en-US" smtClean="0"/>
-              <a:t>6/17/2023</a:t>
+              <a:t>6/21/2023</a:t>
             </a:fld>
             <a:endParaRPr lang="en-US"/>
           </a:p>
@@ -2576,7 +2586,7 @@
           <a:p>
             <a:fld id="{6A8EF467-8487-4230-8827-197FCF02D652}" type="datetimeFigureOut">
               <a:rPr lang="en-US" smtClean="0"/>
-              <a:t>6/17/2023</a:t>
+              <a:t>6/21/2023</a:t>
             </a:fld>
             <a:endParaRPr lang="en-US"/>
           </a:p>
@@ -3055,6 +3065,1376 @@
 </p:sld>
 </file>
 
+<file path=ppt/slides/slide10.xml><?xml version="1.0" encoding="utf-8"?>
+<p:sld xmlns:a="http://schemas.openxmlformats.org/drawingml/2006/main" xmlns:r="http://schemas.openxmlformats.org/officeDocument/2006/relationships" xmlns:p="http://schemas.openxmlformats.org/presentationml/2006/main">
+  <p:cSld>
+    <p:spTree>
+      <p:nvGrpSpPr>
+        <p:cNvPr id="1" name=""/>
+        <p:cNvGrpSpPr/>
+        <p:nvPr/>
+      </p:nvGrpSpPr>
+      <p:grpSpPr>
+        <a:xfrm>
+          <a:off x="0" y="0"/>
+          <a:ext cx="0" cy="0"/>
+          <a:chOff x="0" y="0"/>
+          <a:chExt cx="0" cy="0"/>
+        </a:xfrm>
+      </p:grpSpPr>
+      <p:sp>
+        <p:nvSpPr>
+          <p:cNvPr id="27" name="ZoneTexte 26">
+            <a:extLst>
+              <a:ext uri="{FF2B5EF4-FFF2-40B4-BE49-F238E27FC236}">
+                <a16:creationId xmlns:a16="http://schemas.microsoft.com/office/drawing/2014/main" id="{AF0DC408-AFDA-F98A-A4F1-0F30A160E013}"/>
+              </a:ext>
+            </a:extLst>
+          </p:cNvPr>
+          <p:cNvSpPr txBox="1"/>
+          <p:nvPr/>
+        </p:nvSpPr>
+        <p:spPr>
+          <a:xfrm>
+            <a:off x="1566938" y="537292"/>
+            <a:ext cx="8477302" cy="769441"/>
+          </a:xfrm>
+          <a:prstGeom prst="rect">
+            <a:avLst/>
+          </a:prstGeom>
+          <a:noFill/>
+        </p:spPr>
+        <p:txBody>
+          <a:bodyPr wrap="square" rtlCol="0">
+            <a:spAutoFit/>
+          </a:bodyPr>
+          <a:lstStyle/>
+          <a:p>
+            <a:pPr algn="ctr"/>
+            <a:r>
+              <a:rPr lang="fr-FR" sz="4400" b="1" dirty="0">
+                <a:solidFill>
+                  <a:srgbClr val="FF0000"/>
+                </a:solidFill>
+                <a:latin typeface="Times New Roman" panose="02020603050405020304" pitchFamily="18" charset="0"/>
+                <a:cs typeface="Times New Roman" panose="02020603050405020304" pitchFamily="18" charset="0"/>
+              </a:rPr>
+              <a:t>Page de location</a:t>
+            </a:r>
+          </a:p>
+        </p:txBody>
+      </p:sp>
+      <p:sp>
+        <p:nvSpPr>
+          <p:cNvPr id="2" name="ZoneTexte 1">
+            <a:extLst>
+              <a:ext uri="{FF2B5EF4-FFF2-40B4-BE49-F238E27FC236}">
+                <a16:creationId xmlns:a16="http://schemas.microsoft.com/office/drawing/2014/main" id="{356E7E00-B8EA-719C-8E28-06C113B979ED}"/>
+              </a:ext>
+            </a:extLst>
+          </p:cNvPr>
+          <p:cNvSpPr txBox="1"/>
+          <p:nvPr/>
+        </p:nvSpPr>
+        <p:spPr>
+          <a:xfrm>
+            <a:off x="546754" y="1825207"/>
+            <a:ext cx="5901180" cy="369332"/>
+          </a:xfrm>
+          <a:prstGeom prst="rect">
+            <a:avLst/>
+          </a:prstGeom>
+          <a:noFill/>
+        </p:spPr>
+        <p:txBody>
+          <a:bodyPr wrap="square" rtlCol="0">
+            <a:spAutoFit/>
+          </a:bodyPr>
+          <a:lstStyle/>
+          <a:p>
+            <a:r>
+              <a:rPr lang="fr-FR" b="1" dirty="0">
+                <a:solidFill>
+                  <a:srgbClr val="C00000"/>
+                </a:solidFill>
+              </a:rPr>
+              <a:t>V/ Le composant collapse</a:t>
+            </a:r>
+          </a:p>
+        </p:txBody>
+      </p:sp>
+      <p:pic>
+        <p:nvPicPr>
+          <p:cNvPr id="5" name="Image 4">
+            <a:extLst>
+              <a:ext uri="{FF2B5EF4-FFF2-40B4-BE49-F238E27FC236}">
+                <a16:creationId xmlns:a16="http://schemas.microsoft.com/office/drawing/2014/main" id="{516CE2D3-2A5A-D65A-6E3C-B3208CA26CAB}"/>
+              </a:ext>
+            </a:extLst>
+          </p:cNvPr>
+          <p:cNvPicPr>
+            <a:picLocks noChangeAspect="1"/>
+          </p:cNvPicPr>
+          <p:nvPr/>
+        </p:nvPicPr>
+        <p:blipFill>
+          <a:blip r:embed="rId2"/>
+          <a:stretch>
+            <a:fillRect/>
+          </a:stretch>
+        </p:blipFill>
+        <p:spPr>
+          <a:xfrm>
+            <a:off x="2920025" y="2420783"/>
+            <a:ext cx="6351950" cy="4028669"/>
+          </a:xfrm>
+          <a:prstGeom prst="rect">
+            <a:avLst/>
+          </a:prstGeom>
+        </p:spPr>
+      </p:pic>
+    </p:spTree>
+    <p:extLst>
+      <p:ext uri="{BB962C8B-B14F-4D97-AF65-F5344CB8AC3E}">
+        <p14:creationId xmlns:p14="http://schemas.microsoft.com/office/powerpoint/2010/main" val="3650923477"/>
+      </p:ext>
+    </p:extLst>
+  </p:cSld>
+  <p:clrMapOvr>
+    <a:masterClrMapping/>
+  </p:clrMapOvr>
+</p:sld>
+</file>
+
+<file path=ppt/slides/slide11.xml><?xml version="1.0" encoding="utf-8"?>
+<p:sld xmlns:a="http://schemas.openxmlformats.org/drawingml/2006/main" xmlns:r="http://schemas.openxmlformats.org/officeDocument/2006/relationships" xmlns:p="http://schemas.openxmlformats.org/presentationml/2006/main">
+  <p:cSld>
+    <p:spTree>
+      <p:nvGrpSpPr>
+        <p:cNvPr id="1" name=""/>
+        <p:cNvGrpSpPr/>
+        <p:nvPr/>
+      </p:nvGrpSpPr>
+      <p:grpSpPr>
+        <a:xfrm>
+          <a:off x="0" y="0"/>
+          <a:ext cx="0" cy="0"/>
+          <a:chOff x="0" y="0"/>
+          <a:chExt cx="0" cy="0"/>
+        </a:xfrm>
+      </p:grpSpPr>
+      <p:sp>
+        <p:nvSpPr>
+          <p:cNvPr id="27" name="ZoneTexte 26">
+            <a:extLst>
+              <a:ext uri="{FF2B5EF4-FFF2-40B4-BE49-F238E27FC236}">
+                <a16:creationId xmlns:a16="http://schemas.microsoft.com/office/drawing/2014/main" id="{AF0DC408-AFDA-F98A-A4F1-0F30A160E013}"/>
+              </a:ext>
+            </a:extLst>
+          </p:cNvPr>
+          <p:cNvSpPr txBox="1"/>
+          <p:nvPr/>
+        </p:nvSpPr>
+        <p:spPr>
+          <a:xfrm>
+            <a:off x="1566938" y="537292"/>
+            <a:ext cx="8477302" cy="769441"/>
+          </a:xfrm>
+          <a:prstGeom prst="rect">
+            <a:avLst/>
+          </a:prstGeom>
+          <a:noFill/>
+        </p:spPr>
+        <p:txBody>
+          <a:bodyPr wrap="square" rtlCol="0">
+            <a:spAutoFit/>
+          </a:bodyPr>
+          <a:lstStyle/>
+          <a:p>
+            <a:pPr algn="ctr"/>
+            <a:r>
+              <a:rPr lang="fr-FR" sz="4400" b="1" dirty="0">
+                <a:solidFill>
+                  <a:srgbClr val="FF0000"/>
+                </a:solidFill>
+                <a:latin typeface="Times New Roman" panose="02020603050405020304" pitchFamily="18" charset="0"/>
+                <a:cs typeface="Times New Roman" panose="02020603050405020304" pitchFamily="18" charset="0"/>
+              </a:rPr>
+              <a:t>Page de location</a:t>
+            </a:r>
+          </a:p>
+        </p:txBody>
+      </p:sp>
+      <p:sp>
+        <p:nvSpPr>
+          <p:cNvPr id="2" name="ZoneTexte 1">
+            <a:extLst>
+              <a:ext uri="{FF2B5EF4-FFF2-40B4-BE49-F238E27FC236}">
+                <a16:creationId xmlns:a16="http://schemas.microsoft.com/office/drawing/2014/main" id="{356E7E00-B8EA-719C-8E28-06C113B979ED}"/>
+              </a:ext>
+            </a:extLst>
+          </p:cNvPr>
+          <p:cNvSpPr txBox="1"/>
+          <p:nvPr/>
+        </p:nvSpPr>
+        <p:spPr>
+          <a:xfrm>
+            <a:off x="546754" y="1825207"/>
+            <a:ext cx="5901180" cy="369332"/>
+          </a:xfrm>
+          <a:prstGeom prst="rect">
+            <a:avLst/>
+          </a:prstGeom>
+          <a:noFill/>
+        </p:spPr>
+        <p:txBody>
+          <a:bodyPr wrap="square" rtlCol="0">
+            <a:spAutoFit/>
+          </a:bodyPr>
+          <a:lstStyle/>
+          <a:p>
+            <a:r>
+              <a:rPr lang="fr-FR" b="1" dirty="0">
+                <a:solidFill>
+                  <a:srgbClr val="C00000"/>
+                </a:solidFill>
+              </a:rPr>
+              <a:t>V/ Le composant collapse</a:t>
+            </a:r>
+          </a:p>
+        </p:txBody>
+      </p:sp>
+      <p:pic>
+        <p:nvPicPr>
+          <p:cNvPr id="4" name="Image 3">
+            <a:extLst>
+              <a:ext uri="{FF2B5EF4-FFF2-40B4-BE49-F238E27FC236}">
+                <a16:creationId xmlns:a16="http://schemas.microsoft.com/office/drawing/2014/main" id="{B66BF18E-EC2A-88D7-9857-93A46DDBB703}"/>
+              </a:ext>
+            </a:extLst>
+          </p:cNvPr>
+          <p:cNvPicPr>
+            <a:picLocks noChangeAspect="1"/>
+          </p:cNvPicPr>
+          <p:nvPr/>
+        </p:nvPicPr>
+        <p:blipFill>
+          <a:blip r:embed="rId2"/>
+          <a:stretch>
+            <a:fillRect/>
+          </a:stretch>
+        </p:blipFill>
+        <p:spPr>
+          <a:xfrm>
+            <a:off x="1356651" y="2713013"/>
+            <a:ext cx="9478698" cy="2734057"/>
+          </a:xfrm>
+          <a:prstGeom prst="rect">
+            <a:avLst/>
+          </a:prstGeom>
+        </p:spPr>
+      </p:pic>
+    </p:spTree>
+    <p:extLst>
+      <p:ext uri="{BB962C8B-B14F-4D97-AF65-F5344CB8AC3E}">
+        <p14:creationId xmlns:p14="http://schemas.microsoft.com/office/powerpoint/2010/main" val="1322386742"/>
+      </p:ext>
+    </p:extLst>
+  </p:cSld>
+  <p:clrMapOvr>
+    <a:masterClrMapping/>
+  </p:clrMapOvr>
+</p:sld>
+</file>
+
+<file path=ppt/slides/slide12.xml><?xml version="1.0" encoding="utf-8"?>
+<p:sld xmlns:a="http://schemas.openxmlformats.org/drawingml/2006/main" xmlns:r="http://schemas.openxmlformats.org/officeDocument/2006/relationships" xmlns:p="http://schemas.openxmlformats.org/presentationml/2006/main">
+  <p:cSld>
+    <p:spTree>
+      <p:nvGrpSpPr>
+        <p:cNvPr id="1" name=""/>
+        <p:cNvGrpSpPr/>
+        <p:nvPr/>
+      </p:nvGrpSpPr>
+      <p:grpSpPr>
+        <a:xfrm>
+          <a:off x="0" y="0"/>
+          <a:ext cx="0" cy="0"/>
+          <a:chOff x="0" y="0"/>
+          <a:chExt cx="0" cy="0"/>
+        </a:xfrm>
+      </p:grpSpPr>
+      <p:sp>
+        <p:nvSpPr>
+          <p:cNvPr id="27" name="ZoneTexte 26">
+            <a:extLst>
+              <a:ext uri="{FF2B5EF4-FFF2-40B4-BE49-F238E27FC236}">
+                <a16:creationId xmlns:a16="http://schemas.microsoft.com/office/drawing/2014/main" id="{AF0DC408-AFDA-F98A-A4F1-0F30A160E013}"/>
+              </a:ext>
+            </a:extLst>
+          </p:cNvPr>
+          <p:cNvSpPr txBox="1"/>
+          <p:nvPr/>
+        </p:nvSpPr>
+        <p:spPr>
+          <a:xfrm>
+            <a:off x="1566938" y="537292"/>
+            <a:ext cx="8477302" cy="769441"/>
+          </a:xfrm>
+          <a:prstGeom prst="rect">
+            <a:avLst/>
+          </a:prstGeom>
+          <a:noFill/>
+        </p:spPr>
+        <p:txBody>
+          <a:bodyPr wrap="square" rtlCol="0">
+            <a:spAutoFit/>
+          </a:bodyPr>
+          <a:lstStyle/>
+          <a:p>
+            <a:pPr algn="ctr"/>
+            <a:r>
+              <a:rPr lang="fr-FR" sz="4400" b="1" dirty="0">
+                <a:solidFill>
+                  <a:srgbClr val="FF0000"/>
+                </a:solidFill>
+                <a:latin typeface="Times New Roman" panose="02020603050405020304" pitchFamily="18" charset="0"/>
+                <a:cs typeface="Times New Roman" panose="02020603050405020304" pitchFamily="18" charset="0"/>
+              </a:rPr>
+              <a:t>Page de location</a:t>
+            </a:r>
+          </a:p>
+        </p:txBody>
+      </p:sp>
+      <p:sp>
+        <p:nvSpPr>
+          <p:cNvPr id="2" name="ZoneTexte 1">
+            <a:extLst>
+              <a:ext uri="{FF2B5EF4-FFF2-40B4-BE49-F238E27FC236}">
+                <a16:creationId xmlns:a16="http://schemas.microsoft.com/office/drawing/2014/main" id="{356E7E00-B8EA-719C-8E28-06C113B979ED}"/>
+              </a:ext>
+            </a:extLst>
+          </p:cNvPr>
+          <p:cNvSpPr txBox="1"/>
+          <p:nvPr/>
+        </p:nvSpPr>
+        <p:spPr>
+          <a:xfrm>
+            <a:off x="546754" y="1825207"/>
+            <a:ext cx="5901180" cy="369332"/>
+          </a:xfrm>
+          <a:prstGeom prst="rect">
+            <a:avLst/>
+          </a:prstGeom>
+          <a:noFill/>
+        </p:spPr>
+        <p:txBody>
+          <a:bodyPr wrap="square" rtlCol="0">
+            <a:spAutoFit/>
+          </a:bodyPr>
+          <a:lstStyle/>
+          <a:p>
+            <a:r>
+              <a:rPr lang="fr-FR" b="1" dirty="0">
+                <a:solidFill>
+                  <a:srgbClr val="C00000"/>
+                </a:solidFill>
+              </a:rPr>
+              <a:t>V/ Le composant collapse</a:t>
+            </a:r>
+          </a:p>
+        </p:txBody>
+      </p:sp>
+      <p:pic>
+        <p:nvPicPr>
+          <p:cNvPr id="8" name="Image 7">
+            <a:extLst>
+              <a:ext uri="{FF2B5EF4-FFF2-40B4-BE49-F238E27FC236}">
+                <a16:creationId xmlns:a16="http://schemas.microsoft.com/office/drawing/2014/main" id="{FA5E026E-707B-3038-1B1D-D445BFEB7339}"/>
+              </a:ext>
+            </a:extLst>
+          </p:cNvPr>
+          <p:cNvPicPr>
+            <a:picLocks noChangeAspect="1"/>
+          </p:cNvPicPr>
+          <p:nvPr/>
+        </p:nvPicPr>
+        <p:blipFill>
+          <a:blip r:embed="rId2"/>
+          <a:stretch>
+            <a:fillRect/>
+          </a:stretch>
+        </p:blipFill>
+        <p:spPr>
+          <a:xfrm>
+            <a:off x="4364973" y="2194539"/>
+            <a:ext cx="3462053" cy="4419963"/>
+          </a:xfrm>
+          <a:prstGeom prst="rect">
+            <a:avLst/>
+          </a:prstGeom>
+        </p:spPr>
+      </p:pic>
+    </p:spTree>
+    <p:extLst>
+      <p:ext uri="{BB962C8B-B14F-4D97-AF65-F5344CB8AC3E}">
+        <p14:creationId xmlns:p14="http://schemas.microsoft.com/office/powerpoint/2010/main" val="628090778"/>
+      </p:ext>
+    </p:extLst>
+  </p:cSld>
+  <p:clrMapOvr>
+    <a:masterClrMapping/>
+  </p:clrMapOvr>
+</p:sld>
+</file>
+
+<file path=ppt/slides/slide13.xml><?xml version="1.0" encoding="utf-8"?>
+<p:sld xmlns:a="http://schemas.openxmlformats.org/drawingml/2006/main" xmlns:r="http://schemas.openxmlformats.org/officeDocument/2006/relationships" xmlns:p="http://schemas.openxmlformats.org/presentationml/2006/main">
+  <p:cSld>
+    <p:spTree>
+      <p:nvGrpSpPr>
+        <p:cNvPr id="1" name=""/>
+        <p:cNvGrpSpPr/>
+        <p:nvPr/>
+      </p:nvGrpSpPr>
+      <p:grpSpPr>
+        <a:xfrm>
+          <a:off x="0" y="0"/>
+          <a:ext cx="0" cy="0"/>
+          <a:chOff x="0" y="0"/>
+          <a:chExt cx="0" cy="0"/>
+        </a:xfrm>
+      </p:grpSpPr>
+      <p:sp>
+        <p:nvSpPr>
+          <p:cNvPr id="27" name="ZoneTexte 26">
+            <a:extLst>
+              <a:ext uri="{FF2B5EF4-FFF2-40B4-BE49-F238E27FC236}">
+                <a16:creationId xmlns:a16="http://schemas.microsoft.com/office/drawing/2014/main" id="{AF0DC408-AFDA-F98A-A4F1-0F30A160E013}"/>
+              </a:ext>
+            </a:extLst>
+          </p:cNvPr>
+          <p:cNvSpPr txBox="1"/>
+          <p:nvPr/>
+        </p:nvSpPr>
+        <p:spPr>
+          <a:xfrm>
+            <a:off x="1566938" y="537292"/>
+            <a:ext cx="8477302" cy="769441"/>
+          </a:xfrm>
+          <a:prstGeom prst="rect">
+            <a:avLst/>
+          </a:prstGeom>
+          <a:noFill/>
+        </p:spPr>
+        <p:txBody>
+          <a:bodyPr wrap="square" rtlCol="0">
+            <a:spAutoFit/>
+          </a:bodyPr>
+          <a:lstStyle/>
+          <a:p>
+            <a:pPr algn="ctr"/>
+            <a:r>
+              <a:rPr lang="fr-FR" sz="4400" b="1" dirty="0">
+                <a:solidFill>
+                  <a:srgbClr val="FF0000"/>
+                </a:solidFill>
+                <a:latin typeface="Times New Roman" panose="02020603050405020304" pitchFamily="18" charset="0"/>
+                <a:cs typeface="Times New Roman" panose="02020603050405020304" pitchFamily="18" charset="0"/>
+              </a:rPr>
+              <a:t>Page de location</a:t>
+            </a:r>
+          </a:p>
+        </p:txBody>
+      </p:sp>
+      <p:sp>
+        <p:nvSpPr>
+          <p:cNvPr id="2" name="ZoneTexte 1">
+            <a:extLst>
+              <a:ext uri="{FF2B5EF4-FFF2-40B4-BE49-F238E27FC236}">
+                <a16:creationId xmlns:a16="http://schemas.microsoft.com/office/drawing/2014/main" id="{356E7E00-B8EA-719C-8E28-06C113B979ED}"/>
+              </a:ext>
+            </a:extLst>
+          </p:cNvPr>
+          <p:cNvSpPr txBox="1"/>
+          <p:nvPr/>
+        </p:nvSpPr>
+        <p:spPr>
+          <a:xfrm>
+            <a:off x="546754" y="1825207"/>
+            <a:ext cx="5901180" cy="369332"/>
+          </a:xfrm>
+          <a:prstGeom prst="rect">
+            <a:avLst/>
+          </a:prstGeom>
+          <a:noFill/>
+        </p:spPr>
+        <p:txBody>
+          <a:bodyPr wrap="square" rtlCol="0">
+            <a:spAutoFit/>
+          </a:bodyPr>
+          <a:lstStyle/>
+          <a:p>
+            <a:r>
+              <a:rPr lang="fr-FR" b="1" dirty="0">
+                <a:solidFill>
+                  <a:srgbClr val="C00000"/>
+                </a:solidFill>
+              </a:rPr>
+              <a:t>V/ Le composant collapse</a:t>
+            </a:r>
+          </a:p>
+        </p:txBody>
+      </p:sp>
+      <p:pic>
+        <p:nvPicPr>
+          <p:cNvPr id="5" name="Image 4">
+            <a:extLst>
+              <a:ext uri="{FF2B5EF4-FFF2-40B4-BE49-F238E27FC236}">
+                <a16:creationId xmlns:a16="http://schemas.microsoft.com/office/drawing/2014/main" id="{3F1FC631-6DC3-256E-D401-5AF3E98F72AD}"/>
+              </a:ext>
+            </a:extLst>
+          </p:cNvPr>
+          <p:cNvPicPr>
+            <a:picLocks noChangeAspect="1"/>
+          </p:cNvPicPr>
+          <p:nvPr/>
+        </p:nvPicPr>
+        <p:blipFill>
+          <a:blip r:embed="rId2"/>
+          <a:stretch>
+            <a:fillRect/>
+          </a:stretch>
+        </p:blipFill>
+        <p:spPr>
+          <a:xfrm>
+            <a:off x="1214524" y="2415695"/>
+            <a:ext cx="4640830" cy="4040418"/>
+          </a:xfrm>
+          <a:prstGeom prst="rect">
+            <a:avLst/>
+          </a:prstGeom>
+        </p:spPr>
+      </p:pic>
+      <p:pic>
+        <p:nvPicPr>
+          <p:cNvPr id="7" name="Image 6">
+            <a:extLst>
+              <a:ext uri="{FF2B5EF4-FFF2-40B4-BE49-F238E27FC236}">
+                <a16:creationId xmlns:a16="http://schemas.microsoft.com/office/drawing/2014/main" id="{00975965-C044-1EAE-ADF7-3A5D84A69A13}"/>
+              </a:ext>
+            </a:extLst>
+          </p:cNvPr>
+          <p:cNvPicPr>
+            <a:picLocks noChangeAspect="1"/>
+          </p:cNvPicPr>
+          <p:nvPr/>
+        </p:nvPicPr>
+        <p:blipFill>
+          <a:blip r:embed="rId3"/>
+          <a:stretch>
+            <a:fillRect/>
+          </a:stretch>
+        </p:blipFill>
+        <p:spPr>
+          <a:xfrm>
+            <a:off x="6128974" y="2415695"/>
+            <a:ext cx="5441998" cy="4040418"/>
+          </a:xfrm>
+          <a:prstGeom prst="rect">
+            <a:avLst/>
+          </a:prstGeom>
+        </p:spPr>
+      </p:pic>
+    </p:spTree>
+    <p:extLst>
+      <p:ext uri="{BB962C8B-B14F-4D97-AF65-F5344CB8AC3E}">
+        <p14:creationId xmlns:p14="http://schemas.microsoft.com/office/powerpoint/2010/main" val="3896145579"/>
+      </p:ext>
+    </p:extLst>
+  </p:cSld>
+  <p:clrMapOvr>
+    <a:masterClrMapping/>
+  </p:clrMapOvr>
+</p:sld>
+</file>
+
+<file path=ppt/slides/slide14.xml><?xml version="1.0" encoding="utf-8"?>
+<p:sld xmlns:a="http://schemas.openxmlformats.org/drawingml/2006/main" xmlns:r="http://schemas.openxmlformats.org/officeDocument/2006/relationships" xmlns:p="http://schemas.openxmlformats.org/presentationml/2006/main">
+  <p:cSld>
+    <p:spTree>
+      <p:nvGrpSpPr>
+        <p:cNvPr id="1" name=""/>
+        <p:cNvGrpSpPr/>
+        <p:nvPr/>
+      </p:nvGrpSpPr>
+      <p:grpSpPr>
+        <a:xfrm>
+          <a:off x="0" y="0"/>
+          <a:ext cx="0" cy="0"/>
+          <a:chOff x="0" y="0"/>
+          <a:chExt cx="0" cy="0"/>
+        </a:xfrm>
+      </p:grpSpPr>
+      <p:sp>
+        <p:nvSpPr>
+          <p:cNvPr id="27" name="ZoneTexte 26">
+            <a:extLst>
+              <a:ext uri="{FF2B5EF4-FFF2-40B4-BE49-F238E27FC236}">
+                <a16:creationId xmlns:a16="http://schemas.microsoft.com/office/drawing/2014/main" id="{AF0DC408-AFDA-F98A-A4F1-0F30A160E013}"/>
+              </a:ext>
+            </a:extLst>
+          </p:cNvPr>
+          <p:cNvSpPr txBox="1"/>
+          <p:nvPr/>
+        </p:nvSpPr>
+        <p:spPr>
+          <a:xfrm>
+            <a:off x="1566938" y="537292"/>
+            <a:ext cx="8477302" cy="769441"/>
+          </a:xfrm>
+          <a:prstGeom prst="rect">
+            <a:avLst/>
+          </a:prstGeom>
+          <a:noFill/>
+        </p:spPr>
+        <p:txBody>
+          <a:bodyPr wrap="square" rtlCol="0">
+            <a:spAutoFit/>
+          </a:bodyPr>
+          <a:lstStyle/>
+          <a:p>
+            <a:pPr algn="ctr"/>
+            <a:r>
+              <a:rPr lang="fr-FR" sz="4400" b="1" dirty="0">
+                <a:solidFill>
+                  <a:srgbClr val="FF0000"/>
+                </a:solidFill>
+                <a:latin typeface="Times New Roman" panose="02020603050405020304" pitchFamily="18" charset="0"/>
+                <a:cs typeface="Times New Roman" panose="02020603050405020304" pitchFamily="18" charset="0"/>
+              </a:rPr>
+              <a:t>Page à propos</a:t>
+            </a:r>
+          </a:p>
+        </p:txBody>
+      </p:sp>
+      <p:sp>
+        <p:nvSpPr>
+          <p:cNvPr id="2" name="ZoneTexte 1">
+            <a:extLst>
+              <a:ext uri="{FF2B5EF4-FFF2-40B4-BE49-F238E27FC236}">
+                <a16:creationId xmlns:a16="http://schemas.microsoft.com/office/drawing/2014/main" id="{356E7E00-B8EA-719C-8E28-06C113B979ED}"/>
+              </a:ext>
+            </a:extLst>
+          </p:cNvPr>
+          <p:cNvSpPr txBox="1"/>
+          <p:nvPr/>
+        </p:nvSpPr>
+        <p:spPr>
+          <a:xfrm>
+            <a:off x="546754" y="1825207"/>
+            <a:ext cx="5901180" cy="369332"/>
+          </a:xfrm>
+          <a:prstGeom prst="rect">
+            <a:avLst/>
+          </a:prstGeom>
+          <a:noFill/>
+        </p:spPr>
+        <p:txBody>
+          <a:bodyPr wrap="square" rtlCol="0">
+            <a:spAutoFit/>
+          </a:bodyPr>
+          <a:lstStyle/>
+          <a:p>
+            <a:r>
+              <a:rPr lang="fr-FR" b="1" dirty="0">
+                <a:solidFill>
+                  <a:srgbClr val="C00000"/>
+                </a:solidFill>
+              </a:rPr>
+              <a:t>I/ La page à propos</a:t>
+            </a:r>
+          </a:p>
+        </p:txBody>
+      </p:sp>
+      <p:pic>
+        <p:nvPicPr>
+          <p:cNvPr id="5" name="Image 4">
+            <a:extLst>
+              <a:ext uri="{FF2B5EF4-FFF2-40B4-BE49-F238E27FC236}">
+                <a16:creationId xmlns:a16="http://schemas.microsoft.com/office/drawing/2014/main" id="{77893395-F1C4-570F-24C2-D8F0AFC36FE0}"/>
+              </a:ext>
+            </a:extLst>
+          </p:cNvPr>
+          <p:cNvPicPr>
+            <a:picLocks noChangeAspect="1"/>
+          </p:cNvPicPr>
+          <p:nvPr/>
+        </p:nvPicPr>
+        <p:blipFill>
+          <a:blip r:embed="rId2"/>
+          <a:stretch>
+            <a:fillRect/>
+          </a:stretch>
+        </p:blipFill>
+        <p:spPr>
+          <a:xfrm>
+            <a:off x="2854149" y="2335220"/>
+            <a:ext cx="7190091" cy="4291541"/>
+          </a:xfrm>
+          <a:prstGeom prst="rect">
+            <a:avLst/>
+          </a:prstGeom>
+        </p:spPr>
+      </p:pic>
+    </p:spTree>
+    <p:extLst>
+      <p:ext uri="{BB962C8B-B14F-4D97-AF65-F5344CB8AC3E}">
+        <p14:creationId xmlns:p14="http://schemas.microsoft.com/office/powerpoint/2010/main" val="640520551"/>
+      </p:ext>
+    </p:extLst>
+  </p:cSld>
+  <p:clrMapOvr>
+    <a:masterClrMapping/>
+  </p:clrMapOvr>
+</p:sld>
+</file>
+
+<file path=ppt/slides/slide15.xml><?xml version="1.0" encoding="utf-8"?>
+<p:sld xmlns:a="http://schemas.openxmlformats.org/drawingml/2006/main" xmlns:r="http://schemas.openxmlformats.org/officeDocument/2006/relationships" xmlns:p="http://schemas.openxmlformats.org/presentationml/2006/main">
+  <p:cSld>
+    <p:spTree>
+      <p:nvGrpSpPr>
+        <p:cNvPr id="1" name=""/>
+        <p:cNvGrpSpPr/>
+        <p:nvPr/>
+      </p:nvGrpSpPr>
+      <p:grpSpPr>
+        <a:xfrm>
+          <a:off x="0" y="0"/>
+          <a:ext cx="0" cy="0"/>
+          <a:chOff x="0" y="0"/>
+          <a:chExt cx="0" cy="0"/>
+        </a:xfrm>
+      </p:grpSpPr>
+      <p:sp>
+        <p:nvSpPr>
+          <p:cNvPr id="27" name="ZoneTexte 26">
+            <a:extLst>
+              <a:ext uri="{FF2B5EF4-FFF2-40B4-BE49-F238E27FC236}">
+                <a16:creationId xmlns:a16="http://schemas.microsoft.com/office/drawing/2014/main" id="{AF0DC408-AFDA-F98A-A4F1-0F30A160E013}"/>
+              </a:ext>
+            </a:extLst>
+          </p:cNvPr>
+          <p:cNvSpPr txBox="1"/>
+          <p:nvPr/>
+        </p:nvSpPr>
+        <p:spPr>
+          <a:xfrm>
+            <a:off x="1566938" y="537292"/>
+            <a:ext cx="8477302" cy="769441"/>
+          </a:xfrm>
+          <a:prstGeom prst="rect">
+            <a:avLst/>
+          </a:prstGeom>
+          <a:noFill/>
+        </p:spPr>
+        <p:txBody>
+          <a:bodyPr wrap="square" rtlCol="0">
+            <a:spAutoFit/>
+          </a:bodyPr>
+          <a:lstStyle/>
+          <a:p>
+            <a:pPr algn="ctr"/>
+            <a:r>
+              <a:rPr lang="fr-FR" sz="4400" b="1" dirty="0">
+                <a:solidFill>
+                  <a:srgbClr val="FF0000"/>
+                </a:solidFill>
+                <a:latin typeface="Times New Roman" panose="02020603050405020304" pitchFamily="18" charset="0"/>
+                <a:cs typeface="Times New Roman" panose="02020603050405020304" pitchFamily="18" charset="0"/>
+              </a:rPr>
+              <a:t>Page d’erreur et React router</a:t>
+            </a:r>
+          </a:p>
+        </p:txBody>
+      </p:sp>
+      <p:sp>
+        <p:nvSpPr>
+          <p:cNvPr id="2" name="ZoneTexte 1">
+            <a:extLst>
+              <a:ext uri="{FF2B5EF4-FFF2-40B4-BE49-F238E27FC236}">
+                <a16:creationId xmlns:a16="http://schemas.microsoft.com/office/drawing/2014/main" id="{356E7E00-B8EA-719C-8E28-06C113B979ED}"/>
+              </a:ext>
+            </a:extLst>
+          </p:cNvPr>
+          <p:cNvSpPr txBox="1"/>
+          <p:nvPr/>
+        </p:nvSpPr>
+        <p:spPr>
+          <a:xfrm>
+            <a:off x="546754" y="1825207"/>
+            <a:ext cx="5901180" cy="369332"/>
+          </a:xfrm>
+          <a:prstGeom prst="rect">
+            <a:avLst/>
+          </a:prstGeom>
+          <a:noFill/>
+        </p:spPr>
+        <p:txBody>
+          <a:bodyPr wrap="square" rtlCol="0">
+            <a:spAutoFit/>
+          </a:bodyPr>
+          <a:lstStyle/>
+          <a:p>
+            <a:r>
+              <a:rPr lang="fr-FR" b="1" dirty="0">
+                <a:solidFill>
+                  <a:srgbClr val="C00000"/>
+                </a:solidFill>
+              </a:rPr>
+              <a:t>I/ La page d’erreur</a:t>
+            </a:r>
+          </a:p>
+        </p:txBody>
+      </p:sp>
+      <p:pic>
+        <p:nvPicPr>
+          <p:cNvPr id="3" name="Image 2">
+            <a:extLst>
+              <a:ext uri="{FF2B5EF4-FFF2-40B4-BE49-F238E27FC236}">
+                <a16:creationId xmlns:a16="http://schemas.microsoft.com/office/drawing/2014/main" id="{8FE3BA74-28C3-0F92-BB87-DEEA4EBB6999}"/>
+              </a:ext>
+            </a:extLst>
+          </p:cNvPr>
+          <p:cNvPicPr>
+            <a:picLocks noChangeAspect="1"/>
+          </p:cNvPicPr>
+          <p:nvPr/>
+        </p:nvPicPr>
+        <p:blipFill>
+          <a:blip r:embed="rId2"/>
+          <a:stretch>
+            <a:fillRect/>
+          </a:stretch>
+        </p:blipFill>
+        <p:spPr>
+          <a:xfrm>
+            <a:off x="2733205" y="2603949"/>
+            <a:ext cx="6725589" cy="3648584"/>
+          </a:xfrm>
+          <a:prstGeom prst="rect">
+            <a:avLst/>
+          </a:prstGeom>
+        </p:spPr>
+      </p:pic>
+    </p:spTree>
+    <p:extLst>
+      <p:ext uri="{BB962C8B-B14F-4D97-AF65-F5344CB8AC3E}">
+        <p14:creationId xmlns:p14="http://schemas.microsoft.com/office/powerpoint/2010/main" val="2303647265"/>
+      </p:ext>
+    </p:extLst>
+  </p:cSld>
+  <p:clrMapOvr>
+    <a:masterClrMapping/>
+  </p:clrMapOvr>
+</p:sld>
+</file>
+
+<file path=ppt/slides/slide16.xml><?xml version="1.0" encoding="utf-8"?>
+<p:sld xmlns:a="http://schemas.openxmlformats.org/drawingml/2006/main" xmlns:r="http://schemas.openxmlformats.org/officeDocument/2006/relationships" xmlns:p="http://schemas.openxmlformats.org/presentationml/2006/main">
+  <p:cSld>
+    <p:spTree>
+      <p:nvGrpSpPr>
+        <p:cNvPr id="1" name=""/>
+        <p:cNvGrpSpPr/>
+        <p:nvPr/>
+      </p:nvGrpSpPr>
+      <p:grpSpPr>
+        <a:xfrm>
+          <a:off x="0" y="0"/>
+          <a:ext cx="0" cy="0"/>
+          <a:chOff x="0" y="0"/>
+          <a:chExt cx="0" cy="0"/>
+        </a:xfrm>
+      </p:grpSpPr>
+      <p:sp>
+        <p:nvSpPr>
+          <p:cNvPr id="27" name="ZoneTexte 26">
+            <a:extLst>
+              <a:ext uri="{FF2B5EF4-FFF2-40B4-BE49-F238E27FC236}">
+                <a16:creationId xmlns:a16="http://schemas.microsoft.com/office/drawing/2014/main" id="{AF0DC408-AFDA-F98A-A4F1-0F30A160E013}"/>
+              </a:ext>
+            </a:extLst>
+          </p:cNvPr>
+          <p:cNvSpPr txBox="1"/>
+          <p:nvPr/>
+        </p:nvSpPr>
+        <p:spPr>
+          <a:xfrm>
+            <a:off x="1566938" y="537292"/>
+            <a:ext cx="8477302" cy="769441"/>
+          </a:xfrm>
+          <a:prstGeom prst="rect">
+            <a:avLst/>
+          </a:prstGeom>
+          <a:noFill/>
+        </p:spPr>
+        <p:txBody>
+          <a:bodyPr wrap="square" rtlCol="0">
+            <a:spAutoFit/>
+          </a:bodyPr>
+          <a:lstStyle/>
+          <a:p>
+            <a:pPr algn="ctr"/>
+            <a:r>
+              <a:rPr lang="fr-FR" sz="4400" b="1" dirty="0">
+                <a:solidFill>
+                  <a:srgbClr val="FF0000"/>
+                </a:solidFill>
+                <a:latin typeface="Times New Roman" panose="02020603050405020304" pitchFamily="18" charset="0"/>
+                <a:cs typeface="Times New Roman" panose="02020603050405020304" pitchFamily="18" charset="0"/>
+              </a:rPr>
+              <a:t>Page d’erreur et React router</a:t>
+            </a:r>
+          </a:p>
+        </p:txBody>
+      </p:sp>
+      <p:sp>
+        <p:nvSpPr>
+          <p:cNvPr id="2" name="ZoneTexte 1">
+            <a:extLst>
+              <a:ext uri="{FF2B5EF4-FFF2-40B4-BE49-F238E27FC236}">
+                <a16:creationId xmlns:a16="http://schemas.microsoft.com/office/drawing/2014/main" id="{356E7E00-B8EA-719C-8E28-06C113B979ED}"/>
+              </a:ext>
+            </a:extLst>
+          </p:cNvPr>
+          <p:cNvSpPr txBox="1"/>
+          <p:nvPr/>
+        </p:nvSpPr>
+        <p:spPr>
+          <a:xfrm>
+            <a:off x="546754" y="1825207"/>
+            <a:ext cx="5901180" cy="369332"/>
+          </a:xfrm>
+          <a:prstGeom prst="rect">
+            <a:avLst/>
+          </a:prstGeom>
+          <a:noFill/>
+        </p:spPr>
+        <p:txBody>
+          <a:bodyPr wrap="square" rtlCol="0">
+            <a:spAutoFit/>
+          </a:bodyPr>
+          <a:lstStyle/>
+          <a:p>
+            <a:r>
+              <a:rPr lang="fr-FR" b="1" dirty="0">
+                <a:solidFill>
+                  <a:srgbClr val="C00000"/>
+                </a:solidFill>
+              </a:rPr>
+              <a:t>II/ React router</a:t>
+            </a:r>
+          </a:p>
+        </p:txBody>
+      </p:sp>
+      <p:pic>
+        <p:nvPicPr>
+          <p:cNvPr id="5" name="Image 4">
+            <a:extLst>
+              <a:ext uri="{FF2B5EF4-FFF2-40B4-BE49-F238E27FC236}">
+                <a16:creationId xmlns:a16="http://schemas.microsoft.com/office/drawing/2014/main" id="{0E39C0CA-517B-DD99-8EAD-3405CEA67B1D}"/>
+              </a:ext>
+            </a:extLst>
+          </p:cNvPr>
+          <p:cNvPicPr>
+            <a:picLocks noChangeAspect="1"/>
+          </p:cNvPicPr>
+          <p:nvPr/>
+        </p:nvPicPr>
+        <p:blipFill>
+          <a:blip r:embed="rId2"/>
+          <a:stretch>
+            <a:fillRect/>
+          </a:stretch>
+        </p:blipFill>
+        <p:spPr>
+          <a:xfrm>
+            <a:off x="3632533" y="2009873"/>
+            <a:ext cx="5140770" cy="4659332"/>
+          </a:xfrm>
+          <a:prstGeom prst="rect">
+            <a:avLst/>
+          </a:prstGeom>
+        </p:spPr>
+      </p:pic>
+    </p:spTree>
+    <p:extLst>
+      <p:ext uri="{BB962C8B-B14F-4D97-AF65-F5344CB8AC3E}">
+        <p14:creationId xmlns:p14="http://schemas.microsoft.com/office/powerpoint/2010/main" val="2596613786"/>
+      </p:ext>
+    </p:extLst>
+  </p:cSld>
+  <p:clrMapOvr>
+    <a:masterClrMapping/>
+  </p:clrMapOvr>
+</p:sld>
+</file>
+
+<file path=ppt/slides/slide17.xml><?xml version="1.0" encoding="utf-8"?>
+<p:sld xmlns:a="http://schemas.openxmlformats.org/drawingml/2006/main" xmlns:r="http://schemas.openxmlformats.org/officeDocument/2006/relationships" xmlns:p="http://schemas.openxmlformats.org/presentationml/2006/main">
+  <p:cSld>
+    <p:spTree>
+      <p:nvGrpSpPr>
+        <p:cNvPr id="1" name=""/>
+        <p:cNvGrpSpPr/>
+        <p:nvPr/>
+      </p:nvGrpSpPr>
+      <p:grpSpPr>
+        <a:xfrm>
+          <a:off x="0" y="0"/>
+          <a:ext cx="0" cy="0"/>
+          <a:chOff x="0" y="0"/>
+          <a:chExt cx="0" cy="0"/>
+        </a:xfrm>
+      </p:grpSpPr>
+      <p:sp>
+        <p:nvSpPr>
+          <p:cNvPr id="27" name="ZoneTexte 26">
+            <a:extLst>
+              <a:ext uri="{FF2B5EF4-FFF2-40B4-BE49-F238E27FC236}">
+                <a16:creationId xmlns:a16="http://schemas.microsoft.com/office/drawing/2014/main" id="{AF0DC408-AFDA-F98A-A4F1-0F30A160E013}"/>
+              </a:ext>
+            </a:extLst>
+          </p:cNvPr>
+          <p:cNvSpPr txBox="1"/>
+          <p:nvPr/>
+        </p:nvSpPr>
+        <p:spPr>
+          <a:xfrm>
+            <a:off x="1566938" y="537292"/>
+            <a:ext cx="8477302" cy="769441"/>
+          </a:xfrm>
+          <a:prstGeom prst="rect">
+            <a:avLst/>
+          </a:prstGeom>
+          <a:noFill/>
+        </p:spPr>
+        <p:txBody>
+          <a:bodyPr wrap="square" rtlCol="0">
+            <a:spAutoFit/>
+          </a:bodyPr>
+          <a:lstStyle/>
+          <a:p>
+            <a:pPr algn="ctr"/>
+            <a:r>
+              <a:rPr lang="fr-FR" sz="4400" b="1" dirty="0">
+                <a:solidFill>
+                  <a:srgbClr val="FF0000"/>
+                </a:solidFill>
+                <a:latin typeface="Times New Roman" panose="02020603050405020304" pitchFamily="18" charset="0"/>
+                <a:cs typeface="Times New Roman" panose="02020603050405020304" pitchFamily="18" charset="0"/>
+              </a:rPr>
+              <a:t>Page d’erreur et React router</a:t>
+            </a:r>
+          </a:p>
+        </p:txBody>
+      </p:sp>
+      <p:sp>
+        <p:nvSpPr>
+          <p:cNvPr id="2" name="ZoneTexte 1">
+            <a:extLst>
+              <a:ext uri="{FF2B5EF4-FFF2-40B4-BE49-F238E27FC236}">
+                <a16:creationId xmlns:a16="http://schemas.microsoft.com/office/drawing/2014/main" id="{356E7E00-B8EA-719C-8E28-06C113B979ED}"/>
+              </a:ext>
+            </a:extLst>
+          </p:cNvPr>
+          <p:cNvSpPr txBox="1"/>
+          <p:nvPr/>
+        </p:nvSpPr>
+        <p:spPr>
+          <a:xfrm>
+            <a:off x="546754" y="1825207"/>
+            <a:ext cx="5901180" cy="369332"/>
+          </a:xfrm>
+          <a:prstGeom prst="rect">
+            <a:avLst/>
+          </a:prstGeom>
+          <a:noFill/>
+        </p:spPr>
+        <p:txBody>
+          <a:bodyPr wrap="square" rtlCol="0">
+            <a:spAutoFit/>
+          </a:bodyPr>
+          <a:lstStyle/>
+          <a:p>
+            <a:r>
+              <a:rPr lang="fr-FR" b="1" dirty="0">
+                <a:solidFill>
+                  <a:srgbClr val="C00000"/>
+                </a:solidFill>
+              </a:rPr>
+              <a:t>III/ Composant Navigate</a:t>
+            </a:r>
+          </a:p>
+        </p:txBody>
+      </p:sp>
+      <p:pic>
+        <p:nvPicPr>
+          <p:cNvPr id="4" name="Image 3">
+            <a:extLst>
+              <a:ext uri="{FF2B5EF4-FFF2-40B4-BE49-F238E27FC236}">
+                <a16:creationId xmlns:a16="http://schemas.microsoft.com/office/drawing/2014/main" id="{17639AAE-7E57-4D08-3382-D7748736897D}"/>
+              </a:ext>
+            </a:extLst>
+          </p:cNvPr>
+          <p:cNvPicPr>
+            <a:picLocks noChangeAspect="1"/>
+          </p:cNvPicPr>
+          <p:nvPr/>
+        </p:nvPicPr>
+        <p:blipFill>
+          <a:blip r:embed="rId2"/>
+          <a:stretch>
+            <a:fillRect/>
+          </a:stretch>
+        </p:blipFill>
+        <p:spPr>
+          <a:xfrm>
+            <a:off x="2475298" y="2322424"/>
+            <a:ext cx="7373379" cy="4305901"/>
+          </a:xfrm>
+          <a:prstGeom prst="rect">
+            <a:avLst/>
+          </a:prstGeom>
+        </p:spPr>
+      </p:pic>
+    </p:spTree>
+    <p:extLst>
+      <p:ext uri="{BB962C8B-B14F-4D97-AF65-F5344CB8AC3E}">
+        <p14:creationId xmlns:p14="http://schemas.microsoft.com/office/powerpoint/2010/main" val="2262956911"/>
+      </p:ext>
+    </p:extLst>
+  </p:cSld>
+  <p:clrMapOvr>
+    <a:masterClrMapping/>
+  </p:clrMapOvr>
+</p:sld>
+</file>
+
+<file path=ppt/slides/slide18.xml><?xml version="1.0" encoding="utf-8"?>
+<p:sld xmlns:a="http://schemas.openxmlformats.org/drawingml/2006/main" xmlns:r="http://schemas.openxmlformats.org/officeDocument/2006/relationships" xmlns:p="http://schemas.openxmlformats.org/presentationml/2006/main">
+  <p:cSld>
+    <p:spTree>
+      <p:nvGrpSpPr>
+        <p:cNvPr id="1" name=""/>
+        <p:cNvGrpSpPr/>
+        <p:nvPr/>
+      </p:nvGrpSpPr>
+      <p:grpSpPr>
+        <a:xfrm>
+          <a:off x="0" y="0"/>
+          <a:ext cx="0" cy="0"/>
+          <a:chOff x="0" y="0"/>
+          <a:chExt cx="0" cy="0"/>
+        </a:xfrm>
+      </p:grpSpPr>
+      <p:sp>
+        <p:nvSpPr>
+          <p:cNvPr id="27" name="ZoneTexte 26">
+            <a:extLst>
+              <a:ext uri="{FF2B5EF4-FFF2-40B4-BE49-F238E27FC236}">
+                <a16:creationId xmlns:a16="http://schemas.microsoft.com/office/drawing/2014/main" id="{AF0DC408-AFDA-F98A-A4F1-0F30A160E013}"/>
+              </a:ext>
+            </a:extLst>
+          </p:cNvPr>
+          <p:cNvSpPr txBox="1"/>
+          <p:nvPr/>
+        </p:nvSpPr>
+        <p:spPr>
+          <a:xfrm>
+            <a:off x="1566938" y="537292"/>
+            <a:ext cx="8477302" cy="769441"/>
+          </a:xfrm>
+          <a:prstGeom prst="rect">
+            <a:avLst/>
+          </a:prstGeom>
+          <a:noFill/>
+        </p:spPr>
+        <p:txBody>
+          <a:bodyPr wrap="square" rtlCol="0">
+            <a:spAutoFit/>
+          </a:bodyPr>
+          <a:lstStyle/>
+          <a:p>
+            <a:pPr algn="ctr"/>
+            <a:r>
+              <a:rPr lang="fr-FR" sz="4400" b="1" dirty="0">
+                <a:solidFill>
+                  <a:srgbClr val="FF0000"/>
+                </a:solidFill>
+                <a:latin typeface="Times New Roman" panose="02020603050405020304" pitchFamily="18" charset="0"/>
+                <a:cs typeface="Times New Roman" panose="02020603050405020304" pitchFamily="18" charset="0"/>
+              </a:rPr>
+              <a:t>Le responsive</a:t>
+            </a:r>
+          </a:p>
+        </p:txBody>
+      </p:sp>
+      <p:sp>
+        <p:nvSpPr>
+          <p:cNvPr id="3" name="ZoneTexte 2">
+            <a:extLst>
+              <a:ext uri="{FF2B5EF4-FFF2-40B4-BE49-F238E27FC236}">
+                <a16:creationId xmlns:a16="http://schemas.microsoft.com/office/drawing/2014/main" id="{FCE7823B-7B2E-97A9-52F4-1AE055838A29}"/>
+              </a:ext>
+            </a:extLst>
+          </p:cNvPr>
+          <p:cNvSpPr txBox="1"/>
+          <p:nvPr/>
+        </p:nvSpPr>
+        <p:spPr>
+          <a:xfrm>
+            <a:off x="1055802" y="2505670"/>
+            <a:ext cx="5901180" cy="923330"/>
+          </a:xfrm>
+          <a:prstGeom prst="rect">
+            <a:avLst/>
+          </a:prstGeom>
+          <a:noFill/>
+        </p:spPr>
+        <p:txBody>
+          <a:bodyPr wrap="square" rtlCol="0">
+            <a:spAutoFit/>
+          </a:bodyPr>
+          <a:lstStyle/>
+          <a:p>
+            <a:pPr marL="285750" indent="-285750">
+              <a:buFont typeface="Arial" panose="020B0604020202020204" pitchFamily="34" charset="0"/>
+              <a:buChar char="•"/>
+            </a:pPr>
+            <a:r>
+              <a:rPr lang="fr-FR" b="1" dirty="0">
+                <a:solidFill>
+                  <a:srgbClr val="C00000"/>
+                </a:solidFill>
+              </a:rPr>
+              <a:t>Eléments maintenant en colonne</a:t>
+            </a:r>
+          </a:p>
+          <a:p>
+            <a:pPr marL="285750" indent="-285750">
+              <a:buFont typeface="Arial" panose="020B0604020202020204" pitchFamily="34" charset="0"/>
+              <a:buChar char="•"/>
+            </a:pPr>
+            <a:endParaRPr lang="fr-FR" b="1" dirty="0">
+              <a:solidFill>
+                <a:srgbClr val="C00000"/>
+              </a:solidFill>
+            </a:endParaRPr>
+          </a:p>
+          <a:p>
+            <a:pPr marL="285750" indent="-285750">
+              <a:buFont typeface="Arial" panose="020B0604020202020204" pitchFamily="34" charset="0"/>
+              <a:buChar char="•"/>
+            </a:pPr>
+            <a:r>
+              <a:rPr lang="fr-FR" b="1" dirty="0">
+                <a:solidFill>
+                  <a:srgbClr val="C00000"/>
+                </a:solidFill>
+              </a:rPr>
+              <a:t>Disparition numérotation du carrousel</a:t>
+            </a:r>
+          </a:p>
+        </p:txBody>
+      </p:sp>
+    </p:spTree>
+    <p:extLst>
+      <p:ext uri="{BB962C8B-B14F-4D97-AF65-F5344CB8AC3E}">
+        <p14:creationId xmlns:p14="http://schemas.microsoft.com/office/powerpoint/2010/main" val="3078979860"/>
+      </p:ext>
+    </p:extLst>
+  </p:cSld>
+  <p:clrMapOvr>
+    <a:masterClrMapping/>
+  </p:clrMapOvr>
+</p:sld>
+</file>
+
+<file path=ppt/slides/slide19.xml><?xml version="1.0" encoding="utf-8"?>
+<p:sld xmlns:a="http://schemas.openxmlformats.org/drawingml/2006/main" xmlns:r="http://schemas.openxmlformats.org/officeDocument/2006/relationships" xmlns:p="http://schemas.openxmlformats.org/presentationml/2006/main">
+  <p:cSld>
+    <p:spTree>
+      <p:nvGrpSpPr>
+        <p:cNvPr id="1" name=""/>
+        <p:cNvGrpSpPr/>
+        <p:nvPr/>
+      </p:nvGrpSpPr>
+      <p:grpSpPr>
+        <a:xfrm>
+          <a:off x="0" y="0"/>
+          <a:ext cx="0" cy="0"/>
+          <a:chOff x="0" y="0"/>
+          <a:chExt cx="0" cy="0"/>
+        </a:xfrm>
+      </p:grpSpPr>
+      <p:sp>
+        <p:nvSpPr>
+          <p:cNvPr id="27" name="ZoneTexte 26">
+            <a:extLst>
+              <a:ext uri="{FF2B5EF4-FFF2-40B4-BE49-F238E27FC236}">
+                <a16:creationId xmlns:a16="http://schemas.microsoft.com/office/drawing/2014/main" id="{AF0DC408-AFDA-F98A-A4F1-0F30A160E013}"/>
+              </a:ext>
+            </a:extLst>
+          </p:cNvPr>
+          <p:cNvSpPr txBox="1"/>
+          <p:nvPr/>
+        </p:nvSpPr>
+        <p:spPr>
+          <a:xfrm>
+            <a:off x="1566938" y="537292"/>
+            <a:ext cx="8477302" cy="769441"/>
+          </a:xfrm>
+          <a:prstGeom prst="rect">
+            <a:avLst/>
+          </a:prstGeom>
+          <a:noFill/>
+        </p:spPr>
+        <p:txBody>
+          <a:bodyPr wrap="square" rtlCol="0">
+            <a:spAutoFit/>
+          </a:bodyPr>
+          <a:lstStyle/>
+          <a:p>
+            <a:pPr algn="ctr"/>
+            <a:r>
+              <a:rPr lang="fr-FR" sz="4400" b="1" dirty="0">
+                <a:solidFill>
+                  <a:srgbClr val="FF0000"/>
+                </a:solidFill>
+                <a:latin typeface="Times New Roman" panose="02020603050405020304" pitchFamily="18" charset="0"/>
+                <a:cs typeface="Times New Roman" panose="02020603050405020304" pitchFamily="18" charset="0"/>
+              </a:rPr>
+              <a:t>Conclusion</a:t>
+            </a:r>
+          </a:p>
+        </p:txBody>
+      </p:sp>
+    </p:spTree>
+    <p:extLst>
+      <p:ext uri="{BB962C8B-B14F-4D97-AF65-F5344CB8AC3E}">
+        <p14:creationId xmlns:p14="http://schemas.microsoft.com/office/powerpoint/2010/main" val="2940579101"/>
+      </p:ext>
+    </p:extLst>
+  </p:cSld>
+  <p:clrMapOvr>
+    <a:masterClrMapping/>
+  </p:clrMapOvr>
+</p:sld>
+</file>
+
 <file path=ppt/slides/slide2.xml><?xml version="1.0" encoding="utf-8"?>
 <p:sld xmlns:a="http://schemas.openxmlformats.org/drawingml/2006/main" xmlns:r="http://schemas.openxmlformats.org/officeDocument/2006/relationships" xmlns:p="http://schemas.openxmlformats.org/presentationml/2006/main">
   <p:cSld>
@@ -3415,6 +4795,75 @@
           </a:p>
         </p:txBody>
       </p:sp>
+      <p:sp>
+        <p:nvSpPr>
+          <p:cNvPr id="2" name="ZoneTexte 1">
+            <a:extLst>
+              <a:ext uri="{FF2B5EF4-FFF2-40B4-BE49-F238E27FC236}">
+                <a16:creationId xmlns:a16="http://schemas.microsoft.com/office/drawing/2014/main" id="{356E7E00-B8EA-719C-8E28-06C113B979ED}"/>
+              </a:ext>
+            </a:extLst>
+          </p:cNvPr>
+          <p:cNvSpPr txBox="1"/>
+          <p:nvPr/>
+        </p:nvSpPr>
+        <p:spPr>
+          <a:xfrm>
+            <a:off x="546754" y="1825207"/>
+            <a:ext cx="2639506" cy="369332"/>
+          </a:xfrm>
+          <a:prstGeom prst="rect">
+            <a:avLst/>
+          </a:prstGeom>
+          <a:noFill/>
+        </p:spPr>
+        <p:txBody>
+          <a:bodyPr wrap="square" rtlCol="0">
+            <a:spAutoFit/>
+          </a:bodyPr>
+          <a:lstStyle/>
+          <a:p>
+            <a:r>
+              <a:rPr lang="fr-FR" b="1" dirty="0">
+                <a:solidFill>
+                  <a:srgbClr val="C00000"/>
+                </a:solidFill>
+              </a:rPr>
+              <a:t>I/ Le header du site</a:t>
+            </a:r>
+          </a:p>
+        </p:txBody>
+      </p:sp>
+      <p:pic>
+        <p:nvPicPr>
+          <p:cNvPr id="4" name="Image 3">
+            <a:extLst>
+              <a:ext uri="{FF2B5EF4-FFF2-40B4-BE49-F238E27FC236}">
+                <a16:creationId xmlns:a16="http://schemas.microsoft.com/office/drawing/2014/main" id="{AB211D81-52FA-6E6F-F07E-8B1BF0B0AAAF}"/>
+              </a:ext>
+            </a:extLst>
+          </p:cNvPr>
+          <p:cNvPicPr>
+            <a:picLocks noChangeAspect="1"/>
+          </p:cNvPicPr>
+          <p:nvPr/>
+        </p:nvPicPr>
+        <p:blipFill>
+          <a:blip r:embed="rId2"/>
+          <a:stretch>
+            <a:fillRect/>
+          </a:stretch>
+        </p:blipFill>
+        <p:spPr>
+          <a:xfrm>
+            <a:off x="2487876" y="2526385"/>
+            <a:ext cx="7556364" cy="3701076"/>
+          </a:xfrm>
+          <a:prstGeom prst="rect">
+            <a:avLst/>
+          </a:prstGeom>
+        </p:spPr>
+      </p:pic>
     </p:spTree>
     <p:extLst>
       <p:ext uri="{BB962C8B-B14F-4D97-AF65-F5344CB8AC3E}">
@@ -3482,15 +4931,84 @@
                 <a:latin typeface="Times New Roman" panose="02020603050405020304" pitchFamily="18" charset="0"/>
                 <a:cs typeface="Times New Roman" panose="02020603050405020304" pitchFamily="18" charset="0"/>
               </a:rPr>
-              <a:t>Page à propos</a:t>
-            </a:r>
-          </a:p>
-        </p:txBody>
-      </p:sp>
+              <a:t>Page d’accueil</a:t>
+            </a:r>
+          </a:p>
+        </p:txBody>
+      </p:sp>
+      <p:sp>
+        <p:nvSpPr>
+          <p:cNvPr id="2" name="ZoneTexte 1">
+            <a:extLst>
+              <a:ext uri="{FF2B5EF4-FFF2-40B4-BE49-F238E27FC236}">
+                <a16:creationId xmlns:a16="http://schemas.microsoft.com/office/drawing/2014/main" id="{356E7E00-B8EA-719C-8E28-06C113B979ED}"/>
+              </a:ext>
+            </a:extLst>
+          </p:cNvPr>
+          <p:cNvSpPr txBox="1"/>
+          <p:nvPr/>
+        </p:nvSpPr>
+        <p:spPr>
+          <a:xfrm>
+            <a:off x="546754" y="1825207"/>
+            <a:ext cx="2639506" cy="369332"/>
+          </a:xfrm>
+          <a:prstGeom prst="rect">
+            <a:avLst/>
+          </a:prstGeom>
+          <a:noFill/>
+        </p:spPr>
+        <p:txBody>
+          <a:bodyPr wrap="square" rtlCol="0">
+            <a:spAutoFit/>
+          </a:bodyPr>
+          <a:lstStyle/>
+          <a:p>
+            <a:r>
+              <a:rPr lang="fr-FR" b="1" dirty="0">
+                <a:solidFill>
+                  <a:srgbClr val="C00000"/>
+                </a:solidFill>
+              </a:rPr>
+              <a:t>II/ La liste des locations</a:t>
+            </a:r>
+          </a:p>
+        </p:txBody>
+      </p:sp>
+      <p:pic>
+        <p:nvPicPr>
+          <p:cNvPr id="5" name="Image 4">
+            <a:extLst>
+              <a:ext uri="{FF2B5EF4-FFF2-40B4-BE49-F238E27FC236}">
+                <a16:creationId xmlns:a16="http://schemas.microsoft.com/office/drawing/2014/main" id="{F18256E7-B276-A87A-F674-E057C454AA0B}"/>
+              </a:ext>
+            </a:extLst>
+          </p:cNvPr>
+          <p:cNvPicPr>
+            <a:picLocks noChangeAspect="1"/>
+          </p:cNvPicPr>
+          <p:nvPr/>
+        </p:nvPicPr>
+        <p:blipFill>
+          <a:blip r:embed="rId2"/>
+          <a:stretch>
+            <a:fillRect/>
+          </a:stretch>
+        </p:blipFill>
+        <p:spPr>
+          <a:xfrm>
+            <a:off x="1671181" y="2543330"/>
+            <a:ext cx="8268816" cy="3601754"/>
+          </a:xfrm>
+          <a:prstGeom prst="rect">
+            <a:avLst/>
+          </a:prstGeom>
+        </p:spPr>
+      </p:pic>
     </p:spTree>
     <p:extLst>
       <p:ext uri="{BB962C8B-B14F-4D97-AF65-F5344CB8AC3E}">
-        <p14:creationId xmlns:p14="http://schemas.microsoft.com/office/powerpoint/2010/main" val="606975108"/>
+        <p14:creationId xmlns:p14="http://schemas.microsoft.com/office/powerpoint/2010/main" val="529204419"/>
       </p:ext>
     </p:extLst>
   </p:cSld>
@@ -3519,10 +5037,10 @@
       </p:grpSpPr>
       <p:sp>
         <p:nvSpPr>
-          <p:cNvPr id="2" name="ZoneTexte 1">
+          <p:cNvPr id="27" name="ZoneTexte 26">
             <a:extLst>
               <a:ext uri="{FF2B5EF4-FFF2-40B4-BE49-F238E27FC236}">
-                <a16:creationId xmlns:a16="http://schemas.microsoft.com/office/drawing/2014/main" id="{68B1B3BC-C47A-4056-F6EE-2D96E8ED44B9}"/>
+                <a16:creationId xmlns:a16="http://schemas.microsoft.com/office/drawing/2014/main" id="{AF0DC408-AFDA-F98A-A4F1-0F30A160E013}"/>
               </a:ext>
             </a:extLst>
           </p:cNvPr>
@@ -3559,10 +5077,89 @@
           </a:p>
         </p:txBody>
       </p:sp>
+      <p:sp>
+        <p:nvSpPr>
+          <p:cNvPr id="2" name="ZoneTexte 1">
+            <a:extLst>
+              <a:ext uri="{FF2B5EF4-FFF2-40B4-BE49-F238E27FC236}">
+                <a16:creationId xmlns:a16="http://schemas.microsoft.com/office/drawing/2014/main" id="{356E7E00-B8EA-719C-8E28-06C113B979ED}"/>
+              </a:ext>
+            </a:extLst>
+          </p:cNvPr>
+          <p:cNvSpPr txBox="1"/>
+          <p:nvPr/>
+        </p:nvSpPr>
+        <p:spPr>
+          <a:xfrm>
+            <a:off x="546754" y="1825207"/>
+            <a:ext cx="5901180" cy="369332"/>
+          </a:xfrm>
+          <a:prstGeom prst="rect">
+            <a:avLst/>
+          </a:prstGeom>
+          <a:noFill/>
+        </p:spPr>
+        <p:txBody>
+          <a:bodyPr wrap="square" rtlCol="0">
+            <a:spAutoFit/>
+          </a:bodyPr>
+          <a:lstStyle/>
+          <a:p>
+            <a:r>
+              <a:rPr lang="fr-FR" b="1" dirty="0">
+                <a:solidFill>
+                  <a:srgbClr val="C00000"/>
+                </a:solidFill>
+              </a:rPr>
+              <a:t>I/ Le carrousel</a:t>
+            </a:r>
+          </a:p>
+        </p:txBody>
+      </p:sp>
+      <p:sp>
+        <p:nvSpPr>
+          <p:cNvPr id="3" name="ZoneTexte 2">
+            <a:extLst>
+              <a:ext uri="{FF2B5EF4-FFF2-40B4-BE49-F238E27FC236}">
+                <a16:creationId xmlns:a16="http://schemas.microsoft.com/office/drawing/2014/main" id="{D92FD5CE-EB95-3990-0B82-3263F1DAA68A}"/>
+              </a:ext>
+            </a:extLst>
+          </p:cNvPr>
+          <p:cNvSpPr txBox="1"/>
+          <p:nvPr/>
+        </p:nvSpPr>
+        <p:spPr>
+          <a:xfrm>
+            <a:off x="3431357" y="3242821"/>
+            <a:ext cx="5203596" cy="369332"/>
+          </a:xfrm>
+          <a:prstGeom prst="rect">
+            <a:avLst/>
+          </a:prstGeom>
+          <a:noFill/>
+        </p:spPr>
+        <p:txBody>
+          <a:bodyPr wrap="square" rtlCol="0">
+            <a:spAutoFit/>
+          </a:bodyPr>
+          <a:lstStyle/>
+          <a:p>
+            <a:r>
+              <a:rPr lang="fr-FR" dirty="0"/>
+              <a:t>En cours attente une image </a:t>
+            </a:r>
+            <a:r>
+              <a:rPr lang="fr-FR" dirty="0" err="1"/>
+              <a:t>reglé</a:t>
+            </a:r>
+            <a:endParaRPr lang="fr-FR" dirty="0"/>
+          </a:p>
+        </p:txBody>
+      </p:sp>
     </p:spTree>
     <p:extLst>
       <p:ext uri="{BB962C8B-B14F-4D97-AF65-F5344CB8AC3E}">
-        <p14:creationId xmlns:p14="http://schemas.microsoft.com/office/powerpoint/2010/main" val="4044301150"/>
+        <p14:creationId xmlns:p14="http://schemas.microsoft.com/office/powerpoint/2010/main" val="335442909"/>
       </p:ext>
     </p:extLst>
   </p:cSld>
@@ -3591,10 +5188,10 @@
       </p:grpSpPr>
       <p:sp>
         <p:nvSpPr>
-          <p:cNvPr id="2" name="ZoneTexte 1">
+          <p:cNvPr id="27" name="ZoneTexte 26">
             <a:extLst>
               <a:ext uri="{FF2B5EF4-FFF2-40B4-BE49-F238E27FC236}">
-                <a16:creationId xmlns:a16="http://schemas.microsoft.com/office/drawing/2014/main" id="{68B1B3BC-C47A-4056-F6EE-2D96E8ED44B9}"/>
+                <a16:creationId xmlns:a16="http://schemas.microsoft.com/office/drawing/2014/main" id="{AF0DC408-AFDA-F98A-A4F1-0F30A160E013}"/>
               </a:ext>
             </a:extLst>
           </p:cNvPr>
@@ -3626,15 +5223,84 @@
                 <a:latin typeface="Times New Roman" panose="02020603050405020304" pitchFamily="18" charset="0"/>
                 <a:cs typeface="Times New Roman" panose="02020603050405020304" pitchFamily="18" charset="0"/>
               </a:rPr>
-              <a:t>Page d’erreur et React router</a:t>
-            </a:r>
-          </a:p>
-        </p:txBody>
-      </p:sp>
+              <a:t>Page de location</a:t>
+            </a:r>
+          </a:p>
+        </p:txBody>
+      </p:sp>
+      <p:sp>
+        <p:nvSpPr>
+          <p:cNvPr id="2" name="ZoneTexte 1">
+            <a:extLst>
+              <a:ext uri="{FF2B5EF4-FFF2-40B4-BE49-F238E27FC236}">
+                <a16:creationId xmlns:a16="http://schemas.microsoft.com/office/drawing/2014/main" id="{356E7E00-B8EA-719C-8E28-06C113B979ED}"/>
+              </a:ext>
+            </a:extLst>
+          </p:cNvPr>
+          <p:cNvSpPr txBox="1"/>
+          <p:nvPr/>
+        </p:nvSpPr>
+        <p:spPr>
+          <a:xfrm>
+            <a:off x="546754" y="1825207"/>
+            <a:ext cx="5901180" cy="369332"/>
+          </a:xfrm>
+          <a:prstGeom prst="rect">
+            <a:avLst/>
+          </a:prstGeom>
+          <a:noFill/>
+        </p:spPr>
+        <p:txBody>
+          <a:bodyPr wrap="square" rtlCol="0">
+            <a:spAutoFit/>
+          </a:bodyPr>
+          <a:lstStyle/>
+          <a:p>
+            <a:r>
+              <a:rPr lang="fr-FR" b="1" dirty="0">
+                <a:solidFill>
+                  <a:srgbClr val="C00000"/>
+                </a:solidFill>
+              </a:rPr>
+              <a:t>II/ Titre et informations sur le loueur</a:t>
+            </a:r>
+          </a:p>
+        </p:txBody>
+      </p:sp>
+      <p:pic>
+        <p:nvPicPr>
+          <p:cNvPr id="7" name="Image 6">
+            <a:extLst>
+              <a:ext uri="{FF2B5EF4-FFF2-40B4-BE49-F238E27FC236}">
+                <a16:creationId xmlns:a16="http://schemas.microsoft.com/office/drawing/2014/main" id="{CEB04AAA-D24E-F9DF-16BB-772B80BF9A58}"/>
+              </a:ext>
+            </a:extLst>
+          </p:cNvPr>
+          <p:cNvPicPr>
+            <a:picLocks noChangeAspect="1"/>
+          </p:cNvPicPr>
+          <p:nvPr/>
+        </p:nvPicPr>
+        <p:blipFill>
+          <a:blip r:embed="rId2"/>
+          <a:stretch>
+            <a:fillRect/>
+          </a:stretch>
+        </p:blipFill>
+        <p:spPr>
+          <a:xfrm>
+            <a:off x="1260049" y="2499034"/>
+            <a:ext cx="9671901" cy="3913400"/>
+          </a:xfrm>
+          <a:prstGeom prst="rect">
+            <a:avLst/>
+          </a:prstGeom>
+        </p:spPr>
+      </p:pic>
     </p:spTree>
     <p:extLst>
       <p:ext uri="{BB962C8B-B14F-4D97-AF65-F5344CB8AC3E}">
-        <p14:creationId xmlns:p14="http://schemas.microsoft.com/office/powerpoint/2010/main" val="4098574005"/>
+        <p14:creationId xmlns:p14="http://schemas.microsoft.com/office/powerpoint/2010/main" val="2381671932"/>
       </p:ext>
     </p:extLst>
   </p:cSld>
@@ -3698,15 +5364,84 @@
                 <a:latin typeface="Times New Roman" panose="02020603050405020304" pitchFamily="18" charset="0"/>
                 <a:cs typeface="Times New Roman" panose="02020603050405020304" pitchFamily="18" charset="0"/>
               </a:rPr>
-              <a:t>Le responsive</a:t>
-            </a:r>
-          </a:p>
-        </p:txBody>
-      </p:sp>
+              <a:t>Page de location</a:t>
+            </a:r>
+          </a:p>
+        </p:txBody>
+      </p:sp>
+      <p:sp>
+        <p:nvSpPr>
+          <p:cNvPr id="2" name="ZoneTexte 1">
+            <a:extLst>
+              <a:ext uri="{FF2B5EF4-FFF2-40B4-BE49-F238E27FC236}">
+                <a16:creationId xmlns:a16="http://schemas.microsoft.com/office/drawing/2014/main" id="{356E7E00-B8EA-719C-8E28-06C113B979ED}"/>
+              </a:ext>
+            </a:extLst>
+          </p:cNvPr>
+          <p:cNvSpPr txBox="1"/>
+          <p:nvPr/>
+        </p:nvSpPr>
+        <p:spPr>
+          <a:xfrm>
+            <a:off x="546754" y="1825207"/>
+            <a:ext cx="5901180" cy="369332"/>
+          </a:xfrm>
+          <a:prstGeom prst="rect">
+            <a:avLst/>
+          </a:prstGeom>
+          <a:noFill/>
+        </p:spPr>
+        <p:txBody>
+          <a:bodyPr wrap="square" rtlCol="0">
+            <a:spAutoFit/>
+          </a:bodyPr>
+          <a:lstStyle/>
+          <a:p>
+            <a:r>
+              <a:rPr lang="fr-FR" b="1" dirty="0">
+                <a:solidFill>
+                  <a:srgbClr val="C00000"/>
+                </a:solidFill>
+              </a:rPr>
+              <a:t>III/ Les tags de la location</a:t>
+            </a:r>
+          </a:p>
+        </p:txBody>
+      </p:sp>
+      <p:pic>
+        <p:nvPicPr>
+          <p:cNvPr id="4" name="Image 3">
+            <a:extLst>
+              <a:ext uri="{FF2B5EF4-FFF2-40B4-BE49-F238E27FC236}">
+                <a16:creationId xmlns:a16="http://schemas.microsoft.com/office/drawing/2014/main" id="{65F1187A-171F-C088-BA45-5CBB276F9D3A}"/>
+              </a:ext>
+            </a:extLst>
+          </p:cNvPr>
+          <p:cNvPicPr>
+            <a:picLocks noChangeAspect="1"/>
+          </p:cNvPicPr>
+          <p:nvPr/>
+        </p:nvPicPr>
+        <p:blipFill>
+          <a:blip r:embed="rId2"/>
+          <a:stretch>
+            <a:fillRect/>
+          </a:stretch>
+        </p:blipFill>
+        <p:spPr>
+          <a:xfrm>
+            <a:off x="2355223" y="2398636"/>
+            <a:ext cx="7802064" cy="4153480"/>
+          </a:xfrm>
+          <a:prstGeom prst="rect">
+            <a:avLst/>
+          </a:prstGeom>
+        </p:spPr>
+      </p:pic>
     </p:spTree>
     <p:extLst>
       <p:ext uri="{BB962C8B-B14F-4D97-AF65-F5344CB8AC3E}">
-        <p14:creationId xmlns:p14="http://schemas.microsoft.com/office/powerpoint/2010/main" val="3078979860"/>
+        <p14:creationId xmlns:p14="http://schemas.microsoft.com/office/powerpoint/2010/main" val="1127899737"/>
       </p:ext>
     </p:extLst>
   </p:cSld>
@@ -3770,15 +5505,84 @@
                 <a:latin typeface="Times New Roman" panose="02020603050405020304" pitchFamily="18" charset="0"/>
                 <a:cs typeface="Times New Roman" panose="02020603050405020304" pitchFamily="18" charset="0"/>
               </a:rPr>
-              <a:t>Conclusion</a:t>
-            </a:r>
-          </a:p>
-        </p:txBody>
-      </p:sp>
+              <a:t>Page de location</a:t>
+            </a:r>
+          </a:p>
+        </p:txBody>
+      </p:sp>
+      <p:sp>
+        <p:nvSpPr>
+          <p:cNvPr id="2" name="ZoneTexte 1">
+            <a:extLst>
+              <a:ext uri="{FF2B5EF4-FFF2-40B4-BE49-F238E27FC236}">
+                <a16:creationId xmlns:a16="http://schemas.microsoft.com/office/drawing/2014/main" id="{356E7E00-B8EA-719C-8E28-06C113B979ED}"/>
+              </a:ext>
+            </a:extLst>
+          </p:cNvPr>
+          <p:cNvSpPr txBox="1"/>
+          <p:nvPr/>
+        </p:nvSpPr>
+        <p:spPr>
+          <a:xfrm>
+            <a:off x="546754" y="1825207"/>
+            <a:ext cx="5901180" cy="369332"/>
+          </a:xfrm>
+          <a:prstGeom prst="rect">
+            <a:avLst/>
+          </a:prstGeom>
+          <a:noFill/>
+        </p:spPr>
+        <p:txBody>
+          <a:bodyPr wrap="square" rtlCol="0">
+            <a:spAutoFit/>
+          </a:bodyPr>
+          <a:lstStyle/>
+          <a:p>
+            <a:r>
+              <a:rPr lang="fr-FR" b="1" dirty="0">
+                <a:solidFill>
+                  <a:srgbClr val="C00000"/>
+                </a:solidFill>
+              </a:rPr>
+              <a:t>IV/ La note de la location</a:t>
+            </a:r>
+          </a:p>
+        </p:txBody>
+      </p:sp>
+      <p:pic>
+        <p:nvPicPr>
+          <p:cNvPr id="4" name="Image 3">
+            <a:extLst>
+              <a:ext uri="{FF2B5EF4-FFF2-40B4-BE49-F238E27FC236}">
+                <a16:creationId xmlns:a16="http://schemas.microsoft.com/office/drawing/2014/main" id="{8D56C136-CBFC-5701-E9A3-7A32BB4DA5D8}"/>
+              </a:ext>
+            </a:extLst>
+          </p:cNvPr>
+          <p:cNvPicPr>
+            <a:picLocks noChangeAspect="1"/>
+          </p:cNvPicPr>
+          <p:nvPr/>
+        </p:nvPicPr>
+        <p:blipFill>
+          <a:blip r:embed="rId2"/>
+          <a:stretch>
+            <a:fillRect/>
+          </a:stretch>
+        </p:blipFill>
+        <p:spPr>
+          <a:xfrm>
+            <a:off x="1566938" y="2439637"/>
+            <a:ext cx="9386102" cy="4005784"/>
+          </a:xfrm>
+          <a:prstGeom prst="rect">
+            <a:avLst/>
+          </a:prstGeom>
+        </p:spPr>
+      </p:pic>
     </p:spTree>
     <p:extLst>
       <p:ext uri="{BB962C8B-B14F-4D97-AF65-F5344CB8AC3E}">
-        <p14:creationId xmlns:p14="http://schemas.microsoft.com/office/powerpoint/2010/main" val="2940579101"/>
+        <p14:creationId xmlns:p14="http://schemas.microsoft.com/office/powerpoint/2010/main" val="1056693407"/>
       </p:ext>
     </p:extLst>
   </p:cSld>

--- a/Présentation site Kasa.pptx
+++ b/Présentation site Kasa.pptx
@@ -11,19 +11,20 @@
     <p:sldId id="315" r:id="rId5"/>
     <p:sldId id="327" r:id="rId6"/>
     <p:sldId id="331" r:id="rId7"/>
-    <p:sldId id="334" r:id="rId8"/>
-    <p:sldId id="332" r:id="rId9"/>
-    <p:sldId id="333" r:id="rId10"/>
-    <p:sldId id="335" r:id="rId11"/>
-    <p:sldId id="329" r:id="rId12"/>
-    <p:sldId id="336" r:id="rId13"/>
-    <p:sldId id="330" r:id="rId14"/>
-    <p:sldId id="328" r:id="rId15"/>
-    <p:sldId id="337" r:id="rId16"/>
-    <p:sldId id="338" r:id="rId17"/>
-    <p:sldId id="339" r:id="rId18"/>
-    <p:sldId id="316" r:id="rId19"/>
-    <p:sldId id="317" r:id="rId20"/>
+    <p:sldId id="340" r:id="rId8"/>
+    <p:sldId id="334" r:id="rId9"/>
+    <p:sldId id="332" r:id="rId10"/>
+    <p:sldId id="333" r:id="rId11"/>
+    <p:sldId id="335" r:id="rId12"/>
+    <p:sldId id="329" r:id="rId13"/>
+    <p:sldId id="336" r:id="rId14"/>
+    <p:sldId id="330" r:id="rId15"/>
+    <p:sldId id="328" r:id="rId16"/>
+    <p:sldId id="337" r:id="rId17"/>
+    <p:sldId id="338" r:id="rId18"/>
+    <p:sldId id="339" r:id="rId19"/>
+    <p:sldId id="316" r:id="rId20"/>
+    <p:sldId id="317" r:id="rId21"/>
   </p:sldIdLst>
   <p:sldSz cx="12192000" cy="6858000"/>
   <p:notesSz cx="6858000" cy="9144000"/>
@@ -261,7 +262,7 @@
           <a:p>
             <a:fld id="{6A8EF467-8487-4230-8827-197FCF02D652}" type="datetimeFigureOut">
               <a:rPr lang="en-US" smtClean="0"/>
-              <a:t>6/21/2023</a:t>
+              <a:t>6/26/2023</a:t>
             </a:fld>
             <a:endParaRPr lang="en-US"/>
           </a:p>
@@ -431,7 +432,7 @@
           <a:p>
             <a:fld id="{6A8EF467-8487-4230-8827-197FCF02D652}" type="datetimeFigureOut">
               <a:rPr lang="en-US" smtClean="0"/>
-              <a:t>6/21/2023</a:t>
+              <a:t>6/26/2023</a:t>
             </a:fld>
             <a:endParaRPr lang="en-US"/>
           </a:p>
@@ -611,7 +612,7 @@
           <a:p>
             <a:fld id="{6A8EF467-8487-4230-8827-197FCF02D652}" type="datetimeFigureOut">
               <a:rPr lang="en-US" smtClean="0"/>
-              <a:t>6/21/2023</a:t>
+              <a:t>6/26/2023</a:t>
             </a:fld>
             <a:endParaRPr lang="en-US"/>
           </a:p>
@@ -781,7 +782,7 @@
           <a:p>
             <a:fld id="{6A8EF467-8487-4230-8827-197FCF02D652}" type="datetimeFigureOut">
               <a:rPr lang="en-US" smtClean="0"/>
-              <a:t>6/21/2023</a:t>
+              <a:t>6/26/2023</a:t>
             </a:fld>
             <a:endParaRPr lang="en-US"/>
           </a:p>
@@ -1027,7 +1028,7 @@
           <a:p>
             <a:fld id="{6A8EF467-8487-4230-8827-197FCF02D652}" type="datetimeFigureOut">
               <a:rPr lang="en-US" smtClean="0"/>
-              <a:t>6/21/2023</a:t>
+              <a:t>6/26/2023</a:t>
             </a:fld>
             <a:endParaRPr lang="en-US"/>
           </a:p>
@@ -1259,7 +1260,7 @@
           <a:p>
             <a:fld id="{6A8EF467-8487-4230-8827-197FCF02D652}" type="datetimeFigureOut">
               <a:rPr lang="en-US" smtClean="0"/>
-              <a:t>6/21/2023</a:t>
+              <a:t>6/26/2023</a:t>
             </a:fld>
             <a:endParaRPr lang="en-US"/>
           </a:p>
@@ -1626,7 +1627,7 @@
           <a:p>
             <a:fld id="{6A8EF467-8487-4230-8827-197FCF02D652}" type="datetimeFigureOut">
               <a:rPr lang="en-US" smtClean="0"/>
-              <a:t>6/21/2023</a:t>
+              <a:t>6/26/2023</a:t>
             </a:fld>
             <a:endParaRPr lang="en-US"/>
           </a:p>
@@ -1744,7 +1745,7 @@
           <a:p>
             <a:fld id="{6A8EF467-8487-4230-8827-197FCF02D652}" type="datetimeFigureOut">
               <a:rPr lang="en-US" smtClean="0"/>
-              <a:t>6/21/2023</a:t>
+              <a:t>6/26/2023</a:t>
             </a:fld>
             <a:endParaRPr lang="en-US"/>
           </a:p>
@@ -1839,7 +1840,7 @@
           <a:p>
             <a:fld id="{6A8EF467-8487-4230-8827-197FCF02D652}" type="datetimeFigureOut">
               <a:rPr lang="en-US" smtClean="0"/>
-              <a:t>6/21/2023</a:t>
+              <a:t>6/26/2023</a:t>
             </a:fld>
             <a:endParaRPr lang="en-US"/>
           </a:p>
@@ -2116,7 +2117,7 @@
           <a:p>
             <a:fld id="{6A8EF467-8487-4230-8827-197FCF02D652}" type="datetimeFigureOut">
               <a:rPr lang="en-US" smtClean="0"/>
-              <a:t>6/21/2023</a:t>
+              <a:t>6/26/2023</a:t>
             </a:fld>
             <a:endParaRPr lang="en-US"/>
           </a:p>
@@ -2373,7 +2374,7 @@
           <a:p>
             <a:fld id="{6A8EF467-8487-4230-8827-197FCF02D652}" type="datetimeFigureOut">
               <a:rPr lang="en-US" smtClean="0"/>
-              <a:t>6/21/2023</a:t>
+              <a:t>6/26/2023</a:t>
             </a:fld>
             <a:endParaRPr lang="en-US"/>
           </a:p>
@@ -2586,7 +2587,7 @@
           <a:p>
             <a:fld id="{6A8EF467-8487-4230-8827-197FCF02D652}" type="datetimeFigureOut">
               <a:rPr lang="en-US" smtClean="0"/>
-              <a:t>6/21/2023</a:t>
+              <a:t>6/26/2023</a:t>
             </a:fld>
             <a:endParaRPr lang="en-US"/>
           </a:p>
@@ -3158,17 +3159,17 @@
                   <a:srgbClr val="C00000"/>
                 </a:solidFill>
               </a:rPr>
-              <a:t>V/ Le composant collapse</a:t>
+              <a:t>IV/ La note de la location</a:t>
             </a:r>
           </a:p>
         </p:txBody>
       </p:sp>
       <p:pic>
         <p:nvPicPr>
-          <p:cNvPr id="5" name="Image 4">
+          <p:cNvPr id="4" name="Image 3">
             <a:extLst>
               <a:ext uri="{FF2B5EF4-FFF2-40B4-BE49-F238E27FC236}">
-                <a16:creationId xmlns:a16="http://schemas.microsoft.com/office/drawing/2014/main" id="{516CE2D3-2A5A-D65A-6E3C-B3208CA26CAB}"/>
+                <a16:creationId xmlns:a16="http://schemas.microsoft.com/office/drawing/2014/main" id="{8D56C136-CBFC-5701-E9A3-7A32BB4DA5D8}"/>
               </a:ext>
             </a:extLst>
           </p:cNvPr>
@@ -3185,8 +3186,8 @@
         </p:blipFill>
         <p:spPr>
           <a:xfrm>
-            <a:off x="2920025" y="2420783"/>
-            <a:ext cx="6351950" cy="4028669"/>
+            <a:off x="1566938" y="2439637"/>
+            <a:ext cx="9386102" cy="4005784"/>
           </a:xfrm>
           <a:prstGeom prst="rect">
             <a:avLst/>
@@ -3196,7 +3197,7 @@
     </p:spTree>
     <p:extLst>
       <p:ext uri="{BB962C8B-B14F-4D97-AF65-F5344CB8AC3E}">
-        <p14:creationId xmlns:p14="http://schemas.microsoft.com/office/powerpoint/2010/main" val="3650923477"/>
+        <p14:creationId xmlns:p14="http://schemas.microsoft.com/office/powerpoint/2010/main" val="1056693407"/>
       </p:ext>
     </p:extLst>
   </p:cSld>
@@ -3306,10 +3307,10 @@
       </p:sp>
       <p:pic>
         <p:nvPicPr>
-          <p:cNvPr id="4" name="Image 3">
+          <p:cNvPr id="5" name="Image 4">
             <a:extLst>
               <a:ext uri="{FF2B5EF4-FFF2-40B4-BE49-F238E27FC236}">
-                <a16:creationId xmlns:a16="http://schemas.microsoft.com/office/drawing/2014/main" id="{B66BF18E-EC2A-88D7-9857-93A46DDBB703}"/>
+                <a16:creationId xmlns:a16="http://schemas.microsoft.com/office/drawing/2014/main" id="{516CE2D3-2A5A-D65A-6E3C-B3208CA26CAB}"/>
               </a:ext>
             </a:extLst>
           </p:cNvPr>
@@ -3326,8 +3327,8 @@
         </p:blipFill>
         <p:spPr>
           <a:xfrm>
-            <a:off x="1356651" y="2713013"/>
-            <a:ext cx="9478698" cy="2734057"/>
+            <a:off x="2920025" y="2420783"/>
+            <a:ext cx="6351950" cy="4028669"/>
           </a:xfrm>
           <a:prstGeom prst="rect">
             <a:avLst/>
@@ -3337,7 +3338,7 @@
     </p:spTree>
     <p:extLst>
       <p:ext uri="{BB962C8B-B14F-4D97-AF65-F5344CB8AC3E}">
-        <p14:creationId xmlns:p14="http://schemas.microsoft.com/office/powerpoint/2010/main" val="1322386742"/>
+        <p14:creationId xmlns:p14="http://schemas.microsoft.com/office/powerpoint/2010/main" val="3650923477"/>
       </p:ext>
     </p:extLst>
   </p:cSld>
@@ -3447,10 +3448,10 @@
       </p:sp>
       <p:pic>
         <p:nvPicPr>
-          <p:cNvPr id="8" name="Image 7">
+          <p:cNvPr id="4" name="Image 3">
             <a:extLst>
               <a:ext uri="{FF2B5EF4-FFF2-40B4-BE49-F238E27FC236}">
-                <a16:creationId xmlns:a16="http://schemas.microsoft.com/office/drawing/2014/main" id="{FA5E026E-707B-3038-1B1D-D445BFEB7339}"/>
+                <a16:creationId xmlns:a16="http://schemas.microsoft.com/office/drawing/2014/main" id="{B66BF18E-EC2A-88D7-9857-93A46DDBB703}"/>
               </a:ext>
             </a:extLst>
           </p:cNvPr>
@@ -3467,8 +3468,8 @@
         </p:blipFill>
         <p:spPr>
           <a:xfrm>
-            <a:off x="4364973" y="2194539"/>
-            <a:ext cx="3462053" cy="4419963"/>
+            <a:off x="1356651" y="2713013"/>
+            <a:ext cx="9478698" cy="2734057"/>
           </a:xfrm>
           <a:prstGeom prst="rect">
             <a:avLst/>
@@ -3478,7 +3479,7 @@
     </p:spTree>
     <p:extLst>
       <p:ext uri="{BB962C8B-B14F-4D97-AF65-F5344CB8AC3E}">
-        <p14:creationId xmlns:p14="http://schemas.microsoft.com/office/powerpoint/2010/main" val="628090778"/>
+        <p14:creationId xmlns:p14="http://schemas.microsoft.com/office/powerpoint/2010/main" val="1322386742"/>
       </p:ext>
     </p:extLst>
   </p:cSld>
@@ -3588,10 +3589,10 @@
       </p:sp>
       <p:pic>
         <p:nvPicPr>
-          <p:cNvPr id="5" name="Image 4">
+          <p:cNvPr id="8" name="Image 7">
             <a:extLst>
               <a:ext uri="{FF2B5EF4-FFF2-40B4-BE49-F238E27FC236}">
-                <a16:creationId xmlns:a16="http://schemas.microsoft.com/office/drawing/2014/main" id="{3F1FC631-6DC3-256E-D401-5AF3E98F72AD}"/>
+                <a16:creationId xmlns:a16="http://schemas.microsoft.com/office/drawing/2014/main" id="{FA5E026E-707B-3038-1B1D-D445BFEB7339}"/>
               </a:ext>
             </a:extLst>
           </p:cNvPr>
@@ -3608,38 +3609,8 @@
         </p:blipFill>
         <p:spPr>
           <a:xfrm>
-            <a:off x="1214524" y="2415695"/>
-            <a:ext cx="4640830" cy="4040418"/>
-          </a:xfrm>
-          <a:prstGeom prst="rect">
-            <a:avLst/>
-          </a:prstGeom>
-        </p:spPr>
-      </p:pic>
-      <p:pic>
-        <p:nvPicPr>
-          <p:cNvPr id="7" name="Image 6">
-            <a:extLst>
-              <a:ext uri="{FF2B5EF4-FFF2-40B4-BE49-F238E27FC236}">
-                <a16:creationId xmlns:a16="http://schemas.microsoft.com/office/drawing/2014/main" id="{00975965-C044-1EAE-ADF7-3A5D84A69A13}"/>
-              </a:ext>
-            </a:extLst>
-          </p:cNvPr>
-          <p:cNvPicPr>
-            <a:picLocks noChangeAspect="1"/>
-          </p:cNvPicPr>
-          <p:nvPr/>
-        </p:nvPicPr>
-        <p:blipFill>
-          <a:blip r:embed="rId3"/>
-          <a:stretch>
-            <a:fillRect/>
-          </a:stretch>
-        </p:blipFill>
-        <p:spPr>
-          <a:xfrm>
-            <a:off x="6128974" y="2415695"/>
-            <a:ext cx="5441998" cy="4040418"/>
+            <a:off x="4364973" y="2194539"/>
+            <a:ext cx="3462053" cy="4419963"/>
           </a:xfrm>
           <a:prstGeom prst="rect">
             <a:avLst/>
@@ -3649,7 +3620,7 @@
     </p:spTree>
     <p:extLst>
       <p:ext uri="{BB962C8B-B14F-4D97-AF65-F5344CB8AC3E}">
-        <p14:creationId xmlns:p14="http://schemas.microsoft.com/office/powerpoint/2010/main" val="3896145579"/>
+        <p14:creationId xmlns:p14="http://schemas.microsoft.com/office/powerpoint/2010/main" val="628090778"/>
       </p:ext>
     </p:extLst>
   </p:cSld>
@@ -3713,7 +3684,7 @@
                 <a:latin typeface="Times New Roman" panose="02020603050405020304" pitchFamily="18" charset="0"/>
                 <a:cs typeface="Times New Roman" panose="02020603050405020304" pitchFamily="18" charset="0"/>
               </a:rPr>
-              <a:t>Page à propos</a:t>
+              <a:t>Page de location</a:t>
             </a:r>
           </a:p>
         </p:txBody>
@@ -3752,7 +3723,7 @@
                   <a:srgbClr val="C00000"/>
                 </a:solidFill>
               </a:rPr>
-              <a:t>I/ La page à propos</a:t>
+              <a:t>V/ Le composant collapse</a:t>
             </a:r>
           </a:p>
         </p:txBody>
@@ -3762,7 +3733,7 @@
           <p:cNvPr id="5" name="Image 4">
             <a:extLst>
               <a:ext uri="{FF2B5EF4-FFF2-40B4-BE49-F238E27FC236}">
-                <a16:creationId xmlns:a16="http://schemas.microsoft.com/office/drawing/2014/main" id="{77893395-F1C4-570F-24C2-D8F0AFC36FE0}"/>
+                <a16:creationId xmlns:a16="http://schemas.microsoft.com/office/drawing/2014/main" id="{3F1FC631-6DC3-256E-D401-5AF3E98F72AD}"/>
               </a:ext>
             </a:extLst>
           </p:cNvPr>
@@ -3779,8 +3750,38 @@
         </p:blipFill>
         <p:spPr>
           <a:xfrm>
-            <a:off x="2854149" y="2335220"/>
-            <a:ext cx="7190091" cy="4291541"/>
+            <a:off x="1214524" y="2415695"/>
+            <a:ext cx="4640830" cy="4040418"/>
+          </a:xfrm>
+          <a:prstGeom prst="rect">
+            <a:avLst/>
+          </a:prstGeom>
+        </p:spPr>
+      </p:pic>
+      <p:pic>
+        <p:nvPicPr>
+          <p:cNvPr id="7" name="Image 6">
+            <a:extLst>
+              <a:ext uri="{FF2B5EF4-FFF2-40B4-BE49-F238E27FC236}">
+                <a16:creationId xmlns:a16="http://schemas.microsoft.com/office/drawing/2014/main" id="{00975965-C044-1EAE-ADF7-3A5D84A69A13}"/>
+              </a:ext>
+            </a:extLst>
+          </p:cNvPr>
+          <p:cNvPicPr>
+            <a:picLocks noChangeAspect="1"/>
+          </p:cNvPicPr>
+          <p:nvPr/>
+        </p:nvPicPr>
+        <p:blipFill>
+          <a:blip r:embed="rId3"/>
+          <a:stretch>
+            <a:fillRect/>
+          </a:stretch>
+        </p:blipFill>
+        <p:spPr>
+          <a:xfrm>
+            <a:off x="6128974" y="2415695"/>
+            <a:ext cx="5441998" cy="4040418"/>
           </a:xfrm>
           <a:prstGeom prst="rect">
             <a:avLst/>
@@ -3790,7 +3791,7 @@
     </p:spTree>
     <p:extLst>
       <p:ext uri="{BB962C8B-B14F-4D97-AF65-F5344CB8AC3E}">
-        <p14:creationId xmlns:p14="http://schemas.microsoft.com/office/powerpoint/2010/main" val="640520551"/>
+        <p14:creationId xmlns:p14="http://schemas.microsoft.com/office/powerpoint/2010/main" val="3896145579"/>
       </p:ext>
     </p:extLst>
   </p:cSld>
@@ -3854,7 +3855,7 @@
                 <a:latin typeface="Times New Roman" panose="02020603050405020304" pitchFamily="18" charset="0"/>
                 <a:cs typeface="Times New Roman" panose="02020603050405020304" pitchFamily="18" charset="0"/>
               </a:rPr>
-              <a:t>Page d’erreur et React router</a:t>
+              <a:t>Page à propos</a:t>
             </a:r>
           </a:p>
         </p:txBody>
@@ -3893,17 +3894,17 @@
                   <a:srgbClr val="C00000"/>
                 </a:solidFill>
               </a:rPr>
-              <a:t>I/ La page d’erreur</a:t>
+              <a:t>I/ La page à propos</a:t>
             </a:r>
           </a:p>
         </p:txBody>
       </p:sp>
       <p:pic>
         <p:nvPicPr>
-          <p:cNvPr id="3" name="Image 2">
+          <p:cNvPr id="5" name="Image 4">
             <a:extLst>
               <a:ext uri="{FF2B5EF4-FFF2-40B4-BE49-F238E27FC236}">
-                <a16:creationId xmlns:a16="http://schemas.microsoft.com/office/drawing/2014/main" id="{8FE3BA74-28C3-0F92-BB87-DEEA4EBB6999}"/>
+                <a16:creationId xmlns:a16="http://schemas.microsoft.com/office/drawing/2014/main" id="{77893395-F1C4-570F-24C2-D8F0AFC36FE0}"/>
               </a:ext>
             </a:extLst>
           </p:cNvPr>
@@ -3920,8 +3921,8 @@
         </p:blipFill>
         <p:spPr>
           <a:xfrm>
-            <a:off x="2733205" y="2603949"/>
-            <a:ext cx="6725589" cy="3648584"/>
+            <a:off x="2854149" y="2335220"/>
+            <a:ext cx="7190091" cy="4291541"/>
           </a:xfrm>
           <a:prstGeom prst="rect">
             <a:avLst/>
@@ -3931,7 +3932,7 @@
     </p:spTree>
     <p:extLst>
       <p:ext uri="{BB962C8B-B14F-4D97-AF65-F5344CB8AC3E}">
-        <p14:creationId xmlns:p14="http://schemas.microsoft.com/office/powerpoint/2010/main" val="2303647265"/>
+        <p14:creationId xmlns:p14="http://schemas.microsoft.com/office/powerpoint/2010/main" val="640520551"/>
       </p:ext>
     </p:extLst>
   </p:cSld>
@@ -4034,17 +4035,17 @@
                   <a:srgbClr val="C00000"/>
                 </a:solidFill>
               </a:rPr>
-              <a:t>II/ React router</a:t>
+              <a:t>I/ La page d’erreur</a:t>
             </a:r>
           </a:p>
         </p:txBody>
       </p:sp>
       <p:pic>
         <p:nvPicPr>
-          <p:cNvPr id="5" name="Image 4">
+          <p:cNvPr id="3" name="Image 2">
             <a:extLst>
               <a:ext uri="{FF2B5EF4-FFF2-40B4-BE49-F238E27FC236}">
-                <a16:creationId xmlns:a16="http://schemas.microsoft.com/office/drawing/2014/main" id="{0E39C0CA-517B-DD99-8EAD-3405CEA67B1D}"/>
+                <a16:creationId xmlns:a16="http://schemas.microsoft.com/office/drawing/2014/main" id="{8FE3BA74-28C3-0F92-BB87-DEEA4EBB6999}"/>
               </a:ext>
             </a:extLst>
           </p:cNvPr>
@@ -4061,8 +4062,8 @@
         </p:blipFill>
         <p:spPr>
           <a:xfrm>
-            <a:off x="3632533" y="2009873"/>
-            <a:ext cx="5140770" cy="4659332"/>
+            <a:off x="2733205" y="2603949"/>
+            <a:ext cx="6725589" cy="3648584"/>
           </a:xfrm>
           <a:prstGeom prst="rect">
             <a:avLst/>
@@ -4072,7 +4073,7 @@
     </p:spTree>
     <p:extLst>
       <p:ext uri="{BB962C8B-B14F-4D97-AF65-F5344CB8AC3E}">
-        <p14:creationId xmlns:p14="http://schemas.microsoft.com/office/powerpoint/2010/main" val="2596613786"/>
+        <p14:creationId xmlns:p14="http://schemas.microsoft.com/office/powerpoint/2010/main" val="2303647265"/>
       </p:ext>
     </p:extLst>
   </p:cSld>
@@ -4175,17 +4176,17 @@
                   <a:srgbClr val="C00000"/>
                 </a:solidFill>
               </a:rPr>
-              <a:t>III/ Composant Navigate</a:t>
+              <a:t>II/ React router</a:t>
             </a:r>
           </a:p>
         </p:txBody>
       </p:sp>
       <p:pic>
         <p:nvPicPr>
-          <p:cNvPr id="4" name="Image 3">
+          <p:cNvPr id="5" name="Image 4">
             <a:extLst>
               <a:ext uri="{FF2B5EF4-FFF2-40B4-BE49-F238E27FC236}">
-                <a16:creationId xmlns:a16="http://schemas.microsoft.com/office/drawing/2014/main" id="{17639AAE-7E57-4D08-3382-D7748736897D}"/>
+                <a16:creationId xmlns:a16="http://schemas.microsoft.com/office/drawing/2014/main" id="{0E39C0CA-517B-DD99-8EAD-3405CEA67B1D}"/>
               </a:ext>
             </a:extLst>
           </p:cNvPr>
@@ -4202,8 +4203,8 @@
         </p:blipFill>
         <p:spPr>
           <a:xfrm>
-            <a:off x="2475298" y="2322424"/>
-            <a:ext cx="7373379" cy="4305901"/>
+            <a:off x="3632533" y="2009873"/>
+            <a:ext cx="5140770" cy="4659332"/>
           </a:xfrm>
           <a:prstGeom prst="rect">
             <a:avLst/>
@@ -4213,7 +4214,7 @@
     </p:spTree>
     <p:extLst>
       <p:ext uri="{BB962C8B-B14F-4D97-AF65-F5344CB8AC3E}">
-        <p14:creationId xmlns:p14="http://schemas.microsoft.com/office/powerpoint/2010/main" val="2262956911"/>
+        <p14:creationId xmlns:p14="http://schemas.microsoft.com/office/powerpoint/2010/main" val="2596613786"/>
       </p:ext>
     </p:extLst>
   </p:cSld>
@@ -4277,17 +4278,17 @@
                 <a:latin typeface="Times New Roman" panose="02020603050405020304" pitchFamily="18" charset="0"/>
                 <a:cs typeface="Times New Roman" panose="02020603050405020304" pitchFamily="18" charset="0"/>
               </a:rPr>
-              <a:t>Le responsive</a:t>
-            </a:r>
-          </a:p>
-        </p:txBody>
-      </p:sp>
-      <p:sp>
-        <p:nvSpPr>
-          <p:cNvPr id="3" name="ZoneTexte 2">
+              <a:t>Page d’erreur et React router</a:t>
+            </a:r>
+          </a:p>
+        </p:txBody>
+      </p:sp>
+      <p:sp>
+        <p:nvSpPr>
+          <p:cNvPr id="2" name="ZoneTexte 1">
             <a:extLst>
               <a:ext uri="{FF2B5EF4-FFF2-40B4-BE49-F238E27FC236}">
-                <a16:creationId xmlns:a16="http://schemas.microsoft.com/office/drawing/2014/main" id="{FCE7823B-7B2E-97A9-52F4-1AE055838A29}"/>
+                <a16:creationId xmlns:a16="http://schemas.microsoft.com/office/drawing/2014/main" id="{356E7E00-B8EA-719C-8E28-06C113B979ED}"/>
               </a:ext>
             </a:extLst>
           </p:cNvPr>
@@ -4296,8 +4297,8 @@
         </p:nvSpPr>
         <p:spPr>
           <a:xfrm>
-            <a:off x="1055802" y="2505670"/>
-            <a:ext cx="5901180" cy="923330"/>
+            <a:off x="546754" y="1825207"/>
+            <a:ext cx="5901180" cy="369332"/>
           </a:xfrm>
           <a:prstGeom prst="rect">
             <a:avLst/>
@@ -4310,50 +4311,51 @@
           </a:bodyPr>
           <a:lstStyle/>
           <a:p>
-            <a:pPr marL="285750" indent="-285750">
-              <a:buFont typeface="Arial" panose="020B0604020202020204" pitchFamily="34" charset="0"/>
-              <a:buChar char="•"/>
-            </a:pPr>
             <a:r>
               <a:rPr lang="fr-FR" b="1" dirty="0">
                 <a:solidFill>
                   <a:srgbClr val="C00000"/>
                 </a:solidFill>
               </a:rPr>
-              <a:t>Eléments maintenant en colonne</a:t>
-            </a:r>
-          </a:p>
-          <a:p>
-            <a:pPr marL="285750" indent="-285750">
-              <a:buFont typeface="Arial" panose="020B0604020202020204" pitchFamily="34" charset="0"/>
-              <a:buChar char="•"/>
-            </a:pPr>
-            <a:endParaRPr lang="fr-FR" b="1" dirty="0">
-              <a:solidFill>
-                <a:srgbClr val="C00000"/>
-              </a:solidFill>
-            </a:endParaRPr>
-          </a:p>
-          <a:p>
-            <a:pPr marL="285750" indent="-285750">
-              <a:buFont typeface="Arial" panose="020B0604020202020204" pitchFamily="34" charset="0"/>
-              <a:buChar char="•"/>
-            </a:pPr>
-            <a:r>
-              <a:rPr lang="fr-FR" b="1" dirty="0">
-                <a:solidFill>
-                  <a:srgbClr val="C00000"/>
-                </a:solidFill>
-              </a:rPr>
-              <a:t>Disparition numérotation du carrousel</a:t>
-            </a:r>
-          </a:p>
-        </p:txBody>
-      </p:sp>
+              <a:t>III/ Composant Navigate</a:t>
+            </a:r>
+          </a:p>
+        </p:txBody>
+      </p:sp>
+      <p:pic>
+        <p:nvPicPr>
+          <p:cNvPr id="4" name="Image 3">
+            <a:extLst>
+              <a:ext uri="{FF2B5EF4-FFF2-40B4-BE49-F238E27FC236}">
+                <a16:creationId xmlns:a16="http://schemas.microsoft.com/office/drawing/2014/main" id="{17639AAE-7E57-4D08-3382-D7748736897D}"/>
+              </a:ext>
+            </a:extLst>
+          </p:cNvPr>
+          <p:cNvPicPr>
+            <a:picLocks noChangeAspect="1"/>
+          </p:cNvPicPr>
+          <p:nvPr/>
+        </p:nvPicPr>
+        <p:blipFill>
+          <a:blip r:embed="rId2"/>
+          <a:stretch>
+            <a:fillRect/>
+          </a:stretch>
+        </p:blipFill>
+        <p:spPr>
+          <a:xfrm>
+            <a:off x="2475298" y="2322424"/>
+            <a:ext cx="7373379" cy="4305901"/>
+          </a:xfrm>
+          <a:prstGeom prst="rect">
+            <a:avLst/>
+          </a:prstGeom>
+        </p:spPr>
+      </p:pic>
     </p:spTree>
     <p:extLst>
       <p:ext uri="{BB962C8B-B14F-4D97-AF65-F5344CB8AC3E}">
-        <p14:creationId xmlns:p14="http://schemas.microsoft.com/office/powerpoint/2010/main" val="3078979860"/>
+        <p14:creationId xmlns:p14="http://schemas.microsoft.com/office/powerpoint/2010/main" val="2262956911"/>
       </p:ext>
     </p:extLst>
   </p:cSld>
@@ -4417,7 +4419,75 @@
                 <a:latin typeface="Times New Roman" panose="02020603050405020304" pitchFamily="18" charset="0"/>
                 <a:cs typeface="Times New Roman" panose="02020603050405020304" pitchFamily="18" charset="0"/>
               </a:rPr>
-              <a:t>Conclusion</a:t>
+              <a:t>Le responsive</a:t>
+            </a:r>
+          </a:p>
+        </p:txBody>
+      </p:sp>
+      <p:sp>
+        <p:nvSpPr>
+          <p:cNvPr id="3" name="ZoneTexte 2">
+            <a:extLst>
+              <a:ext uri="{FF2B5EF4-FFF2-40B4-BE49-F238E27FC236}">
+                <a16:creationId xmlns:a16="http://schemas.microsoft.com/office/drawing/2014/main" id="{FCE7823B-7B2E-97A9-52F4-1AE055838A29}"/>
+              </a:ext>
+            </a:extLst>
+          </p:cNvPr>
+          <p:cNvSpPr txBox="1"/>
+          <p:nvPr/>
+        </p:nvSpPr>
+        <p:spPr>
+          <a:xfrm>
+            <a:off x="1055802" y="2505670"/>
+            <a:ext cx="5901180" cy="923330"/>
+          </a:xfrm>
+          <a:prstGeom prst="rect">
+            <a:avLst/>
+          </a:prstGeom>
+          <a:noFill/>
+        </p:spPr>
+        <p:txBody>
+          <a:bodyPr wrap="square" rtlCol="0">
+            <a:spAutoFit/>
+          </a:bodyPr>
+          <a:lstStyle/>
+          <a:p>
+            <a:pPr marL="285750" indent="-285750">
+              <a:buFont typeface="Arial" panose="020B0604020202020204" pitchFamily="34" charset="0"/>
+              <a:buChar char="•"/>
+            </a:pPr>
+            <a:r>
+              <a:rPr lang="fr-FR" b="1" dirty="0">
+                <a:solidFill>
+                  <a:srgbClr val="C00000"/>
+                </a:solidFill>
+              </a:rPr>
+              <a:t>Eléments maintenant en colonne</a:t>
+            </a:r>
+          </a:p>
+          <a:p>
+            <a:pPr marL="285750" indent="-285750">
+              <a:buFont typeface="Arial" panose="020B0604020202020204" pitchFamily="34" charset="0"/>
+              <a:buChar char="•"/>
+            </a:pPr>
+            <a:endParaRPr lang="fr-FR" b="1" dirty="0">
+              <a:solidFill>
+                <a:srgbClr val="C00000"/>
+              </a:solidFill>
+            </a:endParaRPr>
+          </a:p>
+          <a:p>
+            <a:pPr marL="285750" indent="-285750">
+              <a:buFont typeface="Arial" panose="020B0604020202020204" pitchFamily="34" charset="0"/>
+              <a:buChar char="•"/>
+            </a:pPr>
+            <a:r>
+              <a:rPr lang="fr-FR" b="1" dirty="0">
+                <a:solidFill>
+                  <a:srgbClr val="C00000"/>
+                </a:solidFill>
+              </a:rPr>
+              <a:t>Disparition numérotation du carrousel</a:t>
             </a:r>
           </a:p>
         </p:txBody>
@@ -4425,7 +4495,7 @@
     </p:spTree>
     <p:extLst>
       <p:ext uri="{BB962C8B-B14F-4D97-AF65-F5344CB8AC3E}">
-        <p14:creationId xmlns:p14="http://schemas.microsoft.com/office/powerpoint/2010/main" val="2940579101"/>
+        <p14:creationId xmlns:p14="http://schemas.microsoft.com/office/powerpoint/2010/main" val="3078979860"/>
       </p:ext>
     </p:extLst>
   </p:cSld>
@@ -4615,6 +4685,78 @@
     <p:extLst>
       <p:ext uri="{BB962C8B-B14F-4D97-AF65-F5344CB8AC3E}">
         <p14:creationId xmlns:p14="http://schemas.microsoft.com/office/powerpoint/2010/main" val="3420853980"/>
+      </p:ext>
+    </p:extLst>
+  </p:cSld>
+  <p:clrMapOvr>
+    <a:masterClrMapping/>
+  </p:clrMapOvr>
+</p:sld>
+</file>
+
+<file path=ppt/slides/slide20.xml><?xml version="1.0" encoding="utf-8"?>
+<p:sld xmlns:a="http://schemas.openxmlformats.org/drawingml/2006/main" xmlns:r="http://schemas.openxmlformats.org/officeDocument/2006/relationships" xmlns:p="http://schemas.openxmlformats.org/presentationml/2006/main">
+  <p:cSld>
+    <p:spTree>
+      <p:nvGrpSpPr>
+        <p:cNvPr id="1" name=""/>
+        <p:cNvGrpSpPr/>
+        <p:nvPr/>
+      </p:nvGrpSpPr>
+      <p:grpSpPr>
+        <a:xfrm>
+          <a:off x="0" y="0"/>
+          <a:ext cx="0" cy="0"/>
+          <a:chOff x="0" y="0"/>
+          <a:chExt cx="0" cy="0"/>
+        </a:xfrm>
+      </p:grpSpPr>
+      <p:sp>
+        <p:nvSpPr>
+          <p:cNvPr id="27" name="ZoneTexte 26">
+            <a:extLst>
+              <a:ext uri="{FF2B5EF4-FFF2-40B4-BE49-F238E27FC236}">
+                <a16:creationId xmlns:a16="http://schemas.microsoft.com/office/drawing/2014/main" id="{AF0DC408-AFDA-F98A-A4F1-0F30A160E013}"/>
+              </a:ext>
+            </a:extLst>
+          </p:cNvPr>
+          <p:cNvSpPr txBox="1"/>
+          <p:nvPr/>
+        </p:nvSpPr>
+        <p:spPr>
+          <a:xfrm>
+            <a:off x="1566938" y="537292"/>
+            <a:ext cx="8477302" cy="769441"/>
+          </a:xfrm>
+          <a:prstGeom prst="rect">
+            <a:avLst/>
+          </a:prstGeom>
+          <a:noFill/>
+        </p:spPr>
+        <p:txBody>
+          <a:bodyPr wrap="square" rtlCol="0">
+            <a:spAutoFit/>
+          </a:bodyPr>
+          <a:lstStyle/>
+          <a:p>
+            <a:pPr algn="ctr"/>
+            <a:r>
+              <a:rPr lang="fr-FR" sz="4400" b="1" dirty="0">
+                <a:solidFill>
+                  <a:srgbClr val="FF0000"/>
+                </a:solidFill>
+                <a:latin typeface="Times New Roman" panose="02020603050405020304" pitchFamily="18" charset="0"/>
+                <a:cs typeface="Times New Roman" panose="02020603050405020304" pitchFamily="18" charset="0"/>
+              </a:rPr>
+              <a:t>Conclusion</a:t>
+            </a:r>
+          </a:p>
+        </p:txBody>
+      </p:sp>
+    </p:spTree>
+    <p:extLst>
+      <p:ext uri="{BB962C8B-B14F-4D97-AF65-F5344CB8AC3E}">
+        <p14:creationId xmlns:p14="http://schemas.microsoft.com/office/powerpoint/2010/main" val="2940579101"/>
       </p:ext>
     </p:extLst>
   </p:cSld>
@@ -5116,46 +5258,36 @@
           </a:p>
         </p:txBody>
       </p:sp>
-      <p:sp>
-        <p:nvSpPr>
-          <p:cNvPr id="3" name="ZoneTexte 2">
+      <p:pic>
+        <p:nvPicPr>
+          <p:cNvPr id="5" name="Image 4">
             <a:extLst>
               <a:ext uri="{FF2B5EF4-FFF2-40B4-BE49-F238E27FC236}">
-                <a16:creationId xmlns:a16="http://schemas.microsoft.com/office/drawing/2014/main" id="{D92FD5CE-EB95-3990-0B82-3263F1DAA68A}"/>
+                <a16:creationId xmlns:a16="http://schemas.microsoft.com/office/drawing/2014/main" id="{50863C0B-77DE-2D69-E4F2-D35C40729DA9}"/>
               </a:ext>
             </a:extLst>
           </p:cNvPr>
-          <p:cNvSpPr txBox="1"/>
+          <p:cNvPicPr>
+            <a:picLocks noChangeAspect="1"/>
+          </p:cNvPicPr>
           <p:nvPr/>
-        </p:nvSpPr>
-        <p:spPr>
-          <a:xfrm>
-            <a:off x="3431357" y="3242821"/>
-            <a:ext cx="5203596" cy="369332"/>
+        </p:nvPicPr>
+        <p:blipFill>
+          <a:blip r:embed="rId2"/>
+          <a:stretch>
+            <a:fillRect/>
+          </a:stretch>
+        </p:blipFill>
+        <p:spPr>
+          <a:xfrm>
+            <a:off x="1843747" y="2725573"/>
+            <a:ext cx="9208374" cy="2746358"/>
           </a:xfrm>
           <a:prstGeom prst="rect">
             <a:avLst/>
           </a:prstGeom>
-          <a:noFill/>
-        </p:spPr>
-        <p:txBody>
-          <a:bodyPr wrap="square" rtlCol="0">
-            <a:spAutoFit/>
-          </a:bodyPr>
-          <a:lstStyle/>
-          <a:p>
-            <a:r>
-              <a:rPr lang="fr-FR" dirty="0"/>
-              <a:t>En cours attente une image </a:t>
-            </a:r>
-            <a:r>
-              <a:rPr lang="fr-FR" dirty="0" err="1"/>
-              <a:t>reglé</a:t>
-            </a:r>
-            <a:endParaRPr lang="fr-FR" dirty="0"/>
-          </a:p>
-        </p:txBody>
-      </p:sp>
+        </p:spPr>
+      </p:pic>
     </p:spTree>
     <p:extLst>
       <p:ext uri="{BB962C8B-B14F-4D97-AF65-F5344CB8AC3E}">
@@ -5262,17 +5394,17 @@
                   <a:srgbClr val="C00000"/>
                 </a:solidFill>
               </a:rPr>
-              <a:t>II/ Titre et informations sur le loueur</a:t>
+              <a:t>I/ Le carrousel</a:t>
             </a:r>
           </a:p>
         </p:txBody>
       </p:sp>
       <p:pic>
         <p:nvPicPr>
-          <p:cNvPr id="7" name="Image 6">
+          <p:cNvPr id="4" name="Image 3">
             <a:extLst>
               <a:ext uri="{FF2B5EF4-FFF2-40B4-BE49-F238E27FC236}">
-                <a16:creationId xmlns:a16="http://schemas.microsoft.com/office/drawing/2014/main" id="{CEB04AAA-D24E-F9DF-16BB-772B80BF9A58}"/>
+                <a16:creationId xmlns:a16="http://schemas.microsoft.com/office/drawing/2014/main" id="{81F7FC9E-88BA-5892-22BB-E6DC55CDF5BA}"/>
               </a:ext>
             </a:extLst>
           </p:cNvPr>
@@ -5289,8 +5421,8 @@
         </p:blipFill>
         <p:spPr>
           <a:xfrm>
-            <a:off x="1260049" y="2499034"/>
-            <a:ext cx="9671901" cy="3913400"/>
+            <a:off x="3734849" y="2285967"/>
+            <a:ext cx="4722302" cy="4294257"/>
           </a:xfrm>
           <a:prstGeom prst="rect">
             <a:avLst/>
@@ -5300,7 +5432,7 @@
     </p:spTree>
     <p:extLst>
       <p:ext uri="{BB962C8B-B14F-4D97-AF65-F5344CB8AC3E}">
-        <p14:creationId xmlns:p14="http://schemas.microsoft.com/office/powerpoint/2010/main" val="2381671932"/>
+        <p14:creationId xmlns:p14="http://schemas.microsoft.com/office/powerpoint/2010/main" val="3328841929"/>
       </p:ext>
     </p:extLst>
   </p:cSld>
@@ -5403,17 +5535,17 @@
                   <a:srgbClr val="C00000"/>
                 </a:solidFill>
               </a:rPr>
-              <a:t>III/ Les tags de la location</a:t>
+              <a:t>II/ Titre et informations sur le loueur</a:t>
             </a:r>
           </a:p>
         </p:txBody>
       </p:sp>
       <p:pic>
         <p:nvPicPr>
-          <p:cNvPr id="4" name="Image 3">
+          <p:cNvPr id="7" name="Image 6">
             <a:extLst>
               <a:ext uri="{FF2B5EF4-FFF2-40B4-BE49-F238E27FC236}">
-                <a16:creationId xmlns:a16="http://schemas.microsoft.com/office/drawing/2014/main" id="{65F1187A-171F-C088-BA45-5CBB276F9D3A}"/>
+                <a16:creationId xmlns:a16="http://schemas.microsoft.com/office/drawing/2014/main" id="{CEB04AAA-D24E-F9DF-16BB-772B80BF9A58}"/>
               </a:ext>
             </a:extLst>
           </p:cNvPr>
@@ -5430,8 +5562,8 @@
         </p:blipFill>
         <p:spPr>
           <a:xfrm>
-            <a:off x="2355223" y="2398636"/>
-            <a:ext cx="7802064" cy="4153480"/>
+            <a:off x="1260049" y="2499034"/>
+            <a:ext cx="9671901" cy="3913400"/>
           </a:xfrm>
           <a:prstGeom prst="rect">
             <a:avLst/>
@@ -5441,7 +5573,7 @@
     </p:spTree>
     <p:extLst>
       <p:ext uri="{BB962C8B-B14F-4D97-AF65-F5344CB8AC3E}">
-        <p14:creationId xmlns:p14="http://schemas.microsoft.com/office/powerpoint/2010/main" val="1127899737"/>
+        <p14:creationId xmlns:p14="http://schemas.microsoft.com/office/powerpoint/2010/main" val="2381671932"/>
       </p:ext>
     </p:extLst>
   </p:cSld>
@@ -5544,7 +5676,7 @@
                   <a:srgbClr val="C00000"/>
                 </a:solidFill>
               </a:rPr>
-              <a:t>IV/ La note de la location</a:t>
+              <a:t>III/ Les tags de la location</a:t>
             </a:r>
           </a:p>
         </p:txBody>
@@ -5554,7 +5686,7 @@
           <p:cNvPr id="4" name="Image 3">
             <a:extLst>
               <a:ext uri="{FF2B5EF4-FFF2-40B4-BE49-F238E27FC236}">
-                <a16:creationId xmlns:a16="http://schemas.microsoft.com/office/drawing/2014/main" id="{8D56C136-CBFC-5701-E9A3-7A32BB4DA5D8}"/>
+                <a16:creationId xmlns:a16="http://schemas.microsoft.com/office/drawing/2014/main" id="{65F1187A-171F-C088-BA45-5CBB276F9D3A}"/>
               </a:ext>
             </a:extLst>
           </p:cNvPr>
@@ -5571,8 +5703,8 @@
         </p:blipFill>
         <p:spPr>
           <a:xfrm>
-            <a:off x="1566938" y="2439637"/>
-            <a:ext cx="9386102" cy="4005784"/>
+            <a:off x="2355223" y="2398636"/>
+            <a:ext cx="7802064" cy="4153480"/>
           </a:xfrm>
           <a:prstGeom prst="rect">
             <a:avLst/>
@@ -5582,7 +5714,7 @@
     </p:spTree>
     <p:extLst>
       <p:ext uri="{BB962C8B-B14F-4D97-AF65-F5344CB8AC3E}">
-        <p14:creationId xmlns:p14="http://schemas.microsoft.com/office/powerpoint/2010/main" val="1056693407"/>
+        <p14:creationId xmlns:p14="http://schemas.microsoft.com/office/powerpoint/2010/main" val="1127899737"/>
       </p:ext>
     </p:extLst>
   </p:cSld>
